--- a/Python Basics Workshop.pptx
+++ b/Python Basics Workshop.pptx
@@ -5,35 +5,31 @@
     <p:sldMasterId id="2147483672" r:id="rId1"/>
   </p:sldMasterIdLst>
   <p:notesMasterIdLst>
-    <p:notesMasterId r:id="rId13"/>
+    <p:notesMasterId r:id="rId9"/>
   </p:notesMasterIdLst>
   <p:sldIdLst>
     <p:sldId id="256" r:id="rId2"/>
     <p:sldId id="257" r:id="rId3"/>
     <p:sldId id="277" r:id="rId4"/>
     <p:sldId id="276" r:id="rId5"/>
-    <p:sldId id="279" r:id="rId6"/>
-    <p:sldId id="278" r:id="rId7"/>
-    <p:sldId id="283" r:id="rId8"/>
-    <p:sldId id="280" r:id="rId9"/>
-    <p:sldId id="258" r:id="rId10"/>
-    <p:sldId id="275" r:id="rId11"/>
-    <p:sldId id="282" r:id="rId12"/>
+    <p:sldId id="258" r:id="rId6"/>
+    <p:sldId id="275" r:id="rId7"/>
+    <p:sldId id="282" r:id="rId8"/>
   </p:sldIdLst>
   <p:sldSz cx="9144000" cy="5143500" type="screen16x9"/>
   <p:notesSz cx="6858000" cy="9144000"/>
   <p:embeddedFontLst>
     <p:embeddedFont>
       <p:font typeface="Fira Code" panose="020B0809050000020004" pitchFamily="49" charset="0"/>
-      <p:regular r:id="rId14"/>
-      <p:bold r:id="rId15"/>
+      <p:regular r:id="rId10"/>
+      <p:bold r:id="rId11"/>
     </p:embeddedFont>
     <p:embeddedFont>
       <p:font typeface="source sans pro" panose="020B0503030403020204" pitchFamily="34" charset="0"/>
-      <p:regular r:id="rId16"/>
-      <p:bold r:id="rId17"/>
-      <p:italic r:id="rId18"/>
-      <p:boldItalic r:id="rId19"/>
+      <p:regular r:id="rId12"/>
+      <p:bold r:id="rId13"/>
+      <p:italic r:id="rId14"/>
+      <p:boldItalic r:id="rId15"/>
     </p:embeddedFont>
   </p:embeddedFontLst>
   <p:defaultTextStyle>
@@ -849,146 +845,6 @@
 </p:notes>
 </file>
 
-<file path=ppt/notesSlides/notesSlide10.xml><?xml version="1.0" encoding="utf-8"?>
-<p:notes xmlns:a="http://schemas.openxmlformats.org/drawingml/2006/main" xmlns:r="http://schemas.openxmlformats.org/officeDocument/2006/relationships" xmlns:p="http://schemas.openxmlformats.org/presentationml/2006/main">
-  <p:cSld>
-    <p:spTree>
-      <p:nvGrpSpPr>
-        <p:cNvPr id="1" name=""/>
-        <p:cNvGrpSpPr/>
-        <p:nvPr/>
-      </p:nvGrpSpPr>
-      <p:grpSpPr>
-        <a:xfrm>
-          <a:off x="0" y="0"/>
-          <a:ext cx="0" cy="0"/>
-          <a:chOff x="0" y="0"/>
-          <a:chExt cx="0" cy="0"/>
-        </a:xfrm>
-      </p:grpSpPr>
-      <p:sp>
-        <p:nvSpPr>
-          <p:cNvPr id="2" name="Slide Image Placeholder 1"/>
-          <p:cNvSpPr>
-            <a:spLocks noGrp="1" noRot="1" noChangeAspect="1"/>
-          </p:cNvSpPr>
-          <p:nvPr>
-            <p:ph type="sldImg"/>
-          </p:nvPr>
-        </p:nvSpPr>
-        <p:spPr>
-          <a:xfrm>
-            <a:off x="381000" y="685800"/>
-            <a:ext cx="6096000" cy="3429000"/>
-          </a:xfrm>
-        </p:spPr>
-      </p:sp>
-      <p:sp>
-        <p:nvSpPr>
-          <p:cNvPr id="3" name="Notes Placeholder 2"/>
-          <p:cNvSpPr>
-            <a:spLocks noGrp="1"/>
-          </p:cNvSpPr>
-          <p:nvPr>
-            <p:ph type="body" idx="1"/>
-          </p:nvPr>
-        </p:nvSpPr>
-        <p:spPr/>
-        <p:txBody>
-          <a:bodyPr/>
-          <a:lstStyle/>
-          <a:p>
-            <a:r>
-              <a:rPr lang="en-US" dirty="0" err="1"/>
-              <a:t>Saif</a:t>
-            </a:r>
-            <a:endParaRPr lang="en-US" dirty="0"/>
-          </a:p>
-        </p:txBody>
-      </p:sp>
-    </p:spTree>
-    <p:extLst>
-      <p:ext uri="{BB962C8B-B14F-4D97-AF65-F5344CB8AC3E}">
-        <p14:creationId xmlns:p14="http://schemas.microsoft.com/office/powerpoint/2010/main" val="3228827691"/>
-      </p:ext>
-    </p:extLst>
-  </p:cSld>
-  <p:clrMapOvr>
-    <a:masterClrMapping/>
-  </p:clrMapOvr>
-</p:notes>
-</file>
-
-<file path=ppt/notesSlides/notesSlide11.xml><?xml version="1.0" encoding="utf-8"?>
-<p:notes xmlns:a="http://schemas.openxmlformats.org/drawingml/2006/main" xmlns:r="http://schemas.openxmlformats.org/officeDocument/2006/relationships" xmlns:p="http://schemas.openxmlformats.org/presentationml/2006/main">
-  <p:cSld>
-    <p:spTree>
-      <p:nvGrpSpPr>
-        <p:cNvPr id="1" name=""/>
-        <p:cNvGrpSpPr/>
-        <p:nvPr/>
-      </p:nvGrpSpPr>
-      <p:grpSpPr>
-        <a:xfrm>
-          <a:off x="0" y="0"/>
-          <a:ext cx="0" cy="0"/>
-          <a:chOff x="0" y="0"/>
-          <a:chExt cx="0" cy="0"/>
-        </a:xfrm>
-      </p:grpSpPr>
-      <p:sp>
-        <p:nvSpPr>
-          <p:cNvPr id="2" name="Slide Image Placeholder 1"/>
-          <p:cNvSpPr>
-            <a:spLocks noGrp="1" noRot="1" noChangeAspect="1"/>
-          </p:cNvSpPr>
-          <p:nvPr>
-            <p:ph type="sldImg"/>
-          </p:nvPr>
-        </p:nvSpPr>
-        <p:spPr>
-          <a:xfrm>
-            <a:off x="381000" y="685800"/>
-            <a:ext cx="6096000" cy="3429000"/>
-          </a:xfrm>
-        </p:spPr>
-      </p:sp>
-      <p:sp>
-        <p:nvSpPr>
-          <p:cNvPr id="3" name="Notes Placeholder 2"/>
-          <p:cNvSpPr>
-            <a:spLocks noGrp="1"/>
-          </p:cNvSpPr>
-          <p:nvPr>
-            <p:ph type="body" idx="1"/>
-          </p:nvPr>
-        </p:nvSpPr>
-        <p:spPr/>
-        <p:txBody>
-          <a:bodyPr/>
-          <a:lstStyle/>
-          <a:p>
-            <a:r>
-              <a:rPr lang="en-US" dirty="0" err="1"/>
-              <a:t>Saif</a:t>
-            </a:r>
-            <a:endParaRPr lang="en-US" dirty="0"/>
-          </a:p>
-        </p:txBody>
-      </p:sp>
-    </p:spTree>
-    <p:extLst>
-      <p:ext uri="{BB962C8B-B14F-4D97-AF65-F5344CB8AC3E}">
-        <p14:creationId xmlns:p14="http://schemas.microsoft.com/office/powerpoint/2010/main" val="3109659341"/>
-      </p:ext>
-    </p:extLst>
-  </p:cSld>
-  <p:clrMapOvr>
-    <a:masterClrMapping/>
-  </p:clrMapOvr>
-</p:notes>
-</file>
-
 <file path=ppt/notesSlides/notesSlide2.xml><?xml version="1.0" encoding="utf-8"?>
 <p:notes xmlns:a="http://schemas.openxmlformats.org/drawingml/2006/main" xmlns:r="http://schemas.openxmlformats.org/officeDocument/2006/relationships" xmlns:p="http://schemas.openxmlformats.org/presentationml/2006/main">
   <p:cSld>
@@ -1372,7 +1228,7 @@
     </p:spTree>
     <p:extLst>
       <p:ext uri="{BB962C8B-B14F-4D97-AF65-F5344CB8AC3E}">
-        <p14:creationId xmlns:p14="http://schemas.microsoft.com/office/powerpoint/2010/main" val="2778292927"/>
+        <p14:creationId xmlns:p14="http://schemas.microsoft.com/office/powerpoint/2010/main" val="1838315619"/>
       </p:ext>
     </p:extLst>
   </p:cSld>
@@ -1432,16 +1288,17 @@
           <a:lstStyle/>
           <a:p>
             <a:r>
-              <a:rPr lang="en-AE" dirty="0"/>
-              <a:t>Fardin</a:t>
-            </a:r>
+              <a:rPr lang="en-US" dirty="0" err="1"/>
+              <a:t>Saif</a:t>
+            </a:r>
+            <a:endParaRPr lang="en-US" dirty="0"/>
           </a:p>
         </p:txBody>
       </p:sp>
     </p:spTree>
     <p:extLst>
       <p:ext uri="{BB962C8B-B14F-4D97-AF65-F5344CB8AC3E}">
-        <p14:creationId xmlns:p14="http://schemas.microsoft.com/office/powerpoint/2010/main" val="2264610692"/>
+        <p14:creationId xmlns:p14="http://schemas.microsoft.com/office/powerpoint/2010/main" val="3228827691"/>
       </p:ext>
     </p:extLst>
   </p:cSld>
@@ -1501,154 +1358,17 @@
           <a:lstStyle/>
           <a:p>
             <a:r>
-              <a:rPr lang="en-US" dirty="0"/>
-              <a:t>Fardin</a:t>
-            </a:r>
+              <a:rPr lang="en-US" dirty="0" err="1"/>
+              <a:t>Saif</a:t>
+            </a:r>
+            <a:endParaRPr lang="en-US" dirty="0"/>
           </a:p>
         </p:txBody>
       </p:sp>
     </p:spTree>
     <p:extLst>
       <p:ext uri="{BB962C8B-B14F-4D97-AF65-F5344CB8AC3E}">
-        <p14:creationId xmlns:p14="http://schemas.microsoft.com/office/powerpoint/2010/main" val="1316120253"/>
-      </p:ext>
-    </p:extLst>
-  </p:cSld>
-  <p:clrMapOvr>
-    <a:masterClrMapping/>
-  </p:clrMapOvr>
-</p:notes>
-</file>
-
-<file path=ppt/notesSlides/notesSlide8.xml><?xml version="1.0" encoding="utf-8"?>
-<p:notes xmlns:a="http://schemas.openxmlformats.org/drawingml/2006/main" xmlns:r="http://schemas.openxmlformats.org/officeDocument/2006/relationships" xmlns:p="http://schemas.openxmlformats.org/presentationml/2006/main">
-  <p:cSld>
-    <p:spTree>
-      <p:nvGrpSpPr>
-        <p:cNvPr id="1" name=""/>
-        <p:cNvGrpSpPr/>
-        <p:nvPr/>
-      </p:nvGrpSpPr>
-      <p:grpSpPr>
-        <a:xfrm>
-          <a:off x="0" y="0"/>
-          <a:ext cx="0" cy="0"/>
-          <a:chOff x="0" y="0"/>
-          <a:chExt cx="0" cy="0"/>
-        </a:xfrm>
-      </p:grpSpPr>
-      <p:sp>
-        <p:nvSpPr>
-          <p:cNvPr id="2" name="Slide Image Placeholder 1"/>
-          <p:cNvSpPr>
-            <a:spLocks noGrp="1" noRot="1" noChangeAspect="1"/>
-          </p:cNvSpPr>
-          <p:nvPr>
-            <p:ph type="sldImg"/>
-          </p:nvPr>
-        </p:nvSpPr>
-        <p:spPr>
-          <a:xfrm>
-            <a:off x="381000" y="685800"/>
-            <a:ext cx="6096000" cy="3429000"/>
-          </a:xfrm>
-        </p:spPr>
-      </p:sp>
-      <p:sp>
-        <p:nvSpPr>
-          <p:cNvPr id="3" name="Notes Placeholder 2"/>
-          <p:cNvSpPr>
-            <a:spLocks noGrp="1"/>
-          </p:cNvSpPr>
-          <p:nvPr>
-            <p:ph type="body" idx="1"/>
-          </p:nvPr>
-        </p:nvSpPr>
-        <p:spPr/>
-        <p:txBody>
-          <a:bodyPr/>
-          <a:lstStyle/>
-          <a:p>
-            <a:r>
-              <a:rPr lang="en-US" dirty="0"/>
-              <a:t>Fardin</a:t>
-            </a:r>
-          </a:p>
-        </p:txBody>
-      </p:sp>
-    </p:spTree>
-    <p:extLst>
-      <p:ext uri="{BB962C8B-B14F-4D97-AF65-F5344CB8AC3E}">
-        <p14:creationId xmlns:p14="http://schemas.microsoft.com/office/powerpoint/2010/main" val="3221318051"/>
-      </p:ext>
-    </p:extLst>
-  </p:cSld>
-  <p:clrMapOvr>
-    <a:masterClrMapping/>
-  </p:clrMapOvr>
-</p:notes>
-</file>
-
-<file path=ppt/notesSlides/notesSlide9.xml><?xml version="1.0" encoding="utf-8"?>
-<p:notes xmlns:a="http://schemas.openxmlformats.org/drawingml/2006/main" xmlns:r="http://schemas.openxmlformats.org/officeDocument/2006/relationships" xmlns:p="http://schemas.openxmlformats.org/presentationml/2006/main">
-  <p:cSld>
-    <p:spTree>
-      <p:nvGrpSpPr>
-        <p:cNvPr id="1" name=""/>
-        <p:cNvGrpSpPr/>
-        <p:nvPr/>
-      </p:nvGrpSpPr>
-      <p:grpSpPr>
-        <a:xfrm>
-          <a:off x="0" y="0"/>
-          <a:ext cx="0" cy="0"/>
-          <a:chOff x="0" y="0"/>
-          <a:chExt cx="0" cy="0"/>
-        </a:xfrm>
-      </p:grpSpPr>
-      <p:sp>
-        <p:nvSpPr>
-          <p:cNvPr id="2" name="Slide Image Placeholder 1"/>
-          <p:cNvSpPr>
-            <a:spLocks noGrp="1" noRot="1" noChangeAspect="1"/>
-          </p:cNvSpPr>
-          <p:nvPr>
-            <p:ph type="sldImg"/>
-          </p:nvPr>
-        </p:nvSpPr>
-        <p:spPr>
-          <a:xfrm>
-            <a:off x="381000" y="685800"/>
-            <a:ext cx="6096000" cy="3429000"/>
-          </a:xfrm>
-        </p:spPr>
-      </p:sp>
-      <p:sp>
-        <p:nvSpPr>
-          <p:cNvPr id="3" name="Notes Placeholder 2"/>
-          <p:cNvSpPr>
-            <a:spLocks noGrp="1"/>
-          </p:cNvSpPr>
-          <p:nvPr>
-            <p:ph type="body" idx="1"/>
-          </p:nvPr>
-        </p:nvSpPr>
-        <p:spPr/>
-        <p:txBody>
-          <a:bodyPr/>
-          <a:lstStyle/>
-          <a:p>
-            <a:r>
-              <a:rPr lang="en-US" dirty="0"/>
-              <a:t>Fardin</a:t>
-            </a:r>
-          </a:p>
-        </p:txBody>
-      </p:sp>
-    </p:spTree>
-    <p:extLst>
-      <p:ext uri="{BB962C8B-B14F-4D97-AF65-F5344CB8AC3E}">
-        <p14:creationId xmlns:p14="http://schemas.microsoft.com/office/powerpoint/2010/main" val="1838315619"/>
+        <p14:creationId xmlns:p14="http://schemas.microsoft.com/office/powerpoint/2010/main" val="3109659341"/>
       </p:ext>
     </p:extLst>
   </p:cSld>
@@ -5684,1454 +5404,6 @@
 </p:sld>
 </file>
 
-<file path=ppt/slides/slide10.xml><?xml version="1.0" encoding="utf-8"?>
-<p:sld xmlns:a="http://schemas.openxmlformats.org/drawingml/2006/main" xmlns:r="http://schemas.openxmlformats.org/officeDocument/2006/relationships" xmlns:p="http://schemas.openxmlformats.org/presentationml/2006/main">
-  <p:cSld>
-    <p:spTree>
-      <p:nvGrpSpPr>
-        <p:cNvPr id="1" name=""/>
-        <p:cNvGrpSpPr/>
-        <p:nvPr/>
-      </p:nvGrpSpPr>
-      <p:grpSpPr>
-        <a:xfrm>
-          <a:off x="0" y="0"/>
-          <a:ext cx="0" cy="0"/>
-          <a:chOff x="0" y="0"/>
-          <a:chExt cx="0" cy="0"/>
-        </a:xfrm>
-      </p:grpSpPr>
-      <p:pic>
-        <p:nvPicPr>
-          <p:cNvPr id="2" name="Picture 8" descr="Ribes Tech srl Employees, Location, Careers | LinkedIn">
-            <a:extLst>
-              <a:ext uri="{FF2B5EF4-FFF2-40B4-BE49-F238E27FC236}">
-                <a16:creationId xmlns:a16="http://schemas.microsoft.com/office/drawing/2014/main" id="{31274AB0-A683-CE4B-AFDE-EB7AAC83F4AD}"/>
-              </a:ext>
-            </a:extLst>
-          </p:cNvPr>
-          <p:cNvPicPr>
-            <a:picLocks noChangeAspect="1" noChangeArrowheads="1"/>
-          </p:cNvPicPr>
-          <p:nvPr/>
-        </p:nvPicPr>
-        <p:blipFill>
-          <a:blip r:embed="rId3">
-            <a:extLst>
-              <a:ext uri="{28A0092B-C50C-407E-A947-70E740481C1C}">
-                <a14:useLocalDpi xmlns:a14="http://schemas.microsoft.com/office/drawing/2010/main" val="0"/>
-              </a:ext>
-            </a:extLst>
-          </a:blip>
-          <a:srcRect/>
-          <a:stretch>
-            <a:fillRect/>
-          </a:stretch>
-        </p:blipFill>
-        <p:spPr bwMode="auto">
-          <a:xfrm>
-            <a:off x="0" y="0"/>
-            <a:ext cx="9144000" cy="5143500"/>
-          </a:xfrm>
-          <a:prstGeom prst="rect">
-            <a:avLst/>
-          </a:prstGeom>
-          <a:noFill/>
-          <a:extLst>
-            <a:ext uri="{909E8E84-426E-40DD-AFC4-6F175D3DCCD1}">
-              <a14:hiddenFill xmlns:a14="http://schemas.microsoft.com/office/drawing/2010/main">
-                <a:solidFill>
-                  <a:srgbClr val="FFFFFF"/>
-                </a:solidFill>
-              </a14:hiddenFill>
-            </a:ext>
-          </a:extLst>
-        </p:spPr>
-      </p:pic>
-      <p:sp>
-        <p:nvSpPr>
-          <p:cNvPr id="3" name="Title 1">
-            <a:extLst>
-              <a:ext uri="{FF2B5EF4-FFF2-40B4-BE49-F238E27FC236}">
-                <a16:creationId xmlns:a16="http://schemas.microsoft.com/office/drawing/2014/main" id="{400B0219-63D3-4042-960F-91D2081757B2}"/>
-              </a:ext>
-            </a:extLst>
-          </p:cNvPr>
-          <p:cNvSpPr txBox="1">
-            <a:spLocks/>
-          </p:cNvSpPr>
-          <p:nvPr/>
-        </p:nvSpPr>
-        <p:spPr>
-          <a:xfrm>
-            <a:off x="1524000" y="80682"/>
-            <a:ext cx="6096000" cy="1234265"/>
-          </a:xfrm>
-          <a:prstGeom prst="rect">
-            <a:avLst/>
-          </a:prstGeom>
-        </p:spPr>
-        <p:txBody>
-          <a:bodyPr anchor="ctr">
-            <a:normAutofit/>
-          </a:bodyPr>
-          <a:lstStyle>
-            <a:defPPr marR="0" lvl="0" algn="l" rtl="0">
-              <a:lnSpc>
-                <a:spcPct val="100000"/>
-              </a:lnSpc>
-              <a:spcBef>
-                <a:spcPts val="0"/>
-              </a:spcBef>
-              <a:spcAft>
-                <a:spcPts val="0"/>
-              </a:spcAft>
-            </a:defPPr>
-            <a:lvl1pPr marR="0" lvl="0" algn="l" rtl="0">
-              <a:lnSpc>
-                <a:spcPct val="100000"/>
-              </a:lnSpc>
-              <a:spcBef>
-                <a:spcPts val="0"/>
-              </a:spcBef>
-              <a:spcAft>
-                <a:spcPts val="0"/>
-              </a:spcAft>
-              <a:buClr>
-                <a:srgbClr val="000000"/>
-              </a:buClr>
-              <a:buFont typeface="Arial"/>
-              <a:defRPr sz="1400" b="0" i="0" u="none" strike="noStrike" cap="none">
-                <a:solidFill>
-                  <a:srgbClr val="000000"/>
-                </a:solidFill>
-                <a:latin typeface="Arial"/>
-                <a:ea typeface="Arial"/>
-                <a:cs typeface="Arial"/>
-                <a:sym typeface="Arial"/>
-              </a:defRPr>
-            </a:lvl1pPr>
-            <a:lvl2pPr marR="0" lvl="1" algn="l" rtl="0">
-              <a:lnSpc>
-                <a:spcPct val="100000"/>
-              </a:lnSpc>
-              <a:spcBef>
-                <a:spcPts val="0"/>
-              </a:spcBef>
-              <a:spcAft>
-                <a:spcPts val="0"/>
-              </a:spcAft>
-              <a:buClr>
-                <a:srgbClr val="000000"/>
-              </a:buClr>
-              <a:buFont typeface="Arial"/>
-              <a:defRPr sz="1400" b="0" i="0" u="none" strike="noStrike" cap="none">
-                <a:solidFill>
-                  <a:srgbClr val="000000"/>
-                </a:solidFill>
-                <a:latin typeface="Arial"/>
-                <a:ea typeface="Arial"/>
-                <a:cs typeface="Arial"/>
-                <a:sym typeface="Arial"/>
-              </a:defRPr>
-            </a:lvl2pPr>
-            <a:lvl3pPr marR="0" lvl="2" algn="l" rtl="0">
-              <a:lnSpc>
-                <a:spcPct val="100000"/>
-              </a:lnSpc>
-              <a:spcBef>
-                <a:spcPts val="0"/>
-              </a:spcBef>
-              <a:spcAft>
-                <a:spcPts val="0"/>
-              </a:spcAft>
-              <a:buClr>
-                <a:srgbClr val="000000"/>
-              </a:buClr>
-              <a:buFont typeface="Arial"/>
-              <a:defRPr sz="1400" b="0" i="0" u="none" strike="noStrike" cap="none">
-                <a:solidFill>
-                  <a:srgbClr val="000000"/>
-                </a:solidFill>
-                <a:latin typeface="Arial"/>
-                <a:ea typeface="Arial"/>
-                <a:cs typeface="Arial"/>
-                <a:sym typeface="Arial"/>
-              </a:defRPr>
-            </a:lvl3pPr>
-            <a:lvl4pPr marR="0" lvl="3" algn="l" rtl="0">
-              <a:lnSpc>
-                <a:spcPct val="100000"/>
-              </a:lnSpc>
-              <a:spcBef>
-                <a:spcPts val="0"/>
-              </a:spcBef>
-              <a:spcAft>
-                <a:spcPts val="0"/>
-              </a:spcAft>
-              <a:buClr>
-                <a:srgbClr val="000000"/>
-              </a:buClr>
-              <a:buFont typeface="Arial"/>
-              <a:defRPr sz="1400" b="0" i="0" u="none" strike="noStrike" cap="none">
-                <a:solidFill>
-                  <a:srgbClr val="000000"/>
-                </a:solidFill>
-                <a:latin typeface="Arial"/>
-                <a:ea typeface="Arial"/>
-                <a:cs typeface="Arial"/>
-                <a:sym typeface="Arial"/>
-              </a:defRPr>
-            </a:lvl4pPr>
-            <a:lvl5pPr marR="0" lvl="4" algn="l" rtl="0">
-              <a:lnSpc>
-                <a:spcPct val="100000"/>
-              </a:lnSpc>
-              <a:spcBef>
-                <a:spcPts val="0"/>
-              </a:spcBef>
-              <a:spcAft>
-                <a:spcPts val="0"/>
-              </a:spcAft>
-              <a:buClr>
-                <a:srgbClr val="000000"/>
-              </a:buClr>
-              <a:buFont typeface="Arial"/>
-              <a:defRPr sz="1400" b="0" i="0" u="none" strike="noStrike" cap="none">
-                <a:solidFill>
-                  <a:srgbClr val="000000"/>
-                </a:solidFill>
-                <a:latin typeface="Arial"/>
-                <a:ea typeface="Arial"/>
-                <a:cs typeface="Arial"/>
-                <a:sym typeface="Arial"/>
-              </a:defRPr>
-            </a:lvl5pPr>
-            <a:lvl6pPr marR="0" lvl="5" algn="l" rtl="0">
-              <a:lnSpc>
-                <a:spcPct val="100000"/>
-              </a:lnSpc>
-              <a:spcBef>
-                <a:spcPts val="0"/>
-              </a:spcBef>
-              <a:spcAft>
-                <a:spcPts val="0"/>
-              </a:spcAft>
-              <a:buClr>
-                <a:srgbClr val="000000"/>
-              </a:buClr>
-              <a:buFont typeface="Arial"/>
-              <a:defRPr sz="1400" b="0" i="0" u="none" strike="noStrike" cap="none">
-                <a:solidFill>
-                  <a:srgbClr val="000000"/>
-                </a:solidFill>
-                <a:latin typeface="Arial"/>
-                <a:ea typeface="Arial"/>
-                <a:cs typeface="Arial"/>
-                <a:sym typeface="Arial"/>
-              </a:defRPr>
-            </a:lvl6pPr>
-            <a:lvl7pPr marR="0" lvl="6" algn="l" rtl="0">
-              <a:lnSpc>
-                <a:spcPct val="100000"/>
-              </a:lnSpc>
-              <a:spcBef>
-                <a:spcPts val="0"/>
-              </a:spcBef>
-              <a:spcAft>
-                <a:spcPts val="0"/>
-              </a:spcAft>
-              <a:buClr>
-                <a:srgbClr val="000000"/>
-              </a:buClr>
-              <a:buFont typeface="Arial"/>
-              <a:defRPr sz="1400" b="0" i="0" u="none" strike="noStrike" cap="none">
-                <a:solidFill>
-                  <a:srgbClr val="000000"/>
-                </a:solidFill>
-                <a:latin typeface="Arial"/>
-                <a:ea typeface="Arial"/>
-                <a:cs typeface="Arial"/>
-                <a:sym typeface="Arial"/>
-              </a:defRPr>
-            </a:lvl7pPr>
-            <a:lvl8pPr marR="0" lvl="7" algn="l" rtl="0">
-              <a:lnSpc>
-                <a:spcPct val="100000"/>
-              </a:lnSpc>
-              <a:spcBef>
-                <a:spcPts val="0"/>
-              </a:spcBef>
-              <a:spcAft>
-                <a:spcPts val="0"/>
-              </a:spcAft>
-              <a:buClr>
-                <a:srgbClr val="000000"/>
-              </a:buClr>
-              <a:buFont typeface="Arial"/>
-              <a:defRPr sz="1400" b="0" i="0" u="none" strike="noStrike" cap="none">
-                <a:solidFill>
-                  <a:srgbClr val="000000"/>
-                </a:solidFill>
-                <a:latin typeface="Arial"/>
-                <a:ea typeface="Arial"/>
-                <a:cs typeface="Arial"/>
-                <a:sym typeface="Arial"/>
-              </a:defRPr>
-            </a:lvl8pPr>
-            <a:lvl9pPr marR="0" lvl="8" algn="l" rtl="0">
-              <a:lnSpc>
-                <a:spcPct val="100000"/>
-              </a:lnSpc>
-              <a:spcBef>
-                <a:spcPts val="0"/>
-              </a:spcBef>
-              <a:spcAft>
-                <a:spcPts val="0"/>
-              </a:spcAft>
-              <a:buClr>
-                <a:srgbClr val="000000"/>
-              </a:buClr>
-              <a:buFont typeface="Arial"/>
-              <a:defRPr sz="1400" b="0" i="0" u="none" strike="noStrike" cap="none">
-                <a:solidFill>
-                  <a:srgbClr val="000000"/>
-                </a:solidFill>
-                <a:latin typeface="Arial"/>
-                <a:ea typeface="Arial"/>
-                <a:cs typeface="Arial"/>
-                <a:sym typeface="Arial"/>
-              </a:defRPr>
-            </a:lvl9pPr>
-          </a:lstStyle>
-          <a:p>
-            <a:pPr algn="ctr"/>
-            <a:r>
-              <a:rPr lang="en-US" sz="3200" b="1" dirty="0">
-                <a:solidFill>
-                  <a:srgbClr val="373E84"/>
-                </a:solidFill>
-                <a:latin typeface="Courier" pitchFamily="2" charset="0"/>
-              </a:rPr>
-              <a:t>Extra resources</a:t>
-            </a:r>
-          </a:p>
-        </p:txBody>
-      </p:sp>
-      <p:sp>
-        <p:nvSpPr>
-          <p:cNvPr id="4" name="TextBox 3">
-            <a:extLst>
-              <a:ext uri="{FF2B5EF4-FFF2-40B4-BE49-F238E27FC236}">
-                <a16:creationId xmlns:a16="http://schemas.microsoft.com/office/drawing/2014/main" id="{BC393768-0C7D-774E-8360-67DF30EECA16}"/>
-              </a:ext>
-            </a:extLst>
-          </p:cNvPr>
-          <p:cNvSpPr txBox="1"/>
-          <p:nvPr/>
-        </p:nvSpPr>
-        <p:spPr>
-          <a:xfrm>
-            <a:off x="1090413" y="1395629"/>
-            <a:ext cx="7327445" cy="3323987"/>
-          </a:xfrm>
-          <a:prstGeom prst="rect">
-            <a:avLst/>
-          </a:prstGeom>
-          <a:noFill/>
-        </p:spPr>
-        <p:txBody>
-          <a:bodyPr wrap="square" rtlCol="0">
-            <a:spAutoFit/>
-          </a:bodyPr>
-          <a:lstStyle/>
-          <a:p>
-            <a:r>
-              <a:rPr lang="en-US" dirty="0">
-                <a:latin typeface="Helvetica Neue" panose="02000503000000020004" pitchFamily="2" charset="0"/>
-                <a:ea typeface="Helvetica Neue" panose="02000503000000020004" pitchFamily="2" charset="0"/>
-                <a:cs typeface="Helvetica Neue" panose="02000503000000020004" pitchFamily="2" charset="0"/>
-              </a:rPr>
-              <a:t>Python Documentation: </a:t>
-            </a:r>
-            <a:r>
-              <a:rPr lang="en-US" dirty="0">
-                <a:hlinkClick r:id="rId4"/>
-              </a:rPr>
-              <a:t>The Python Tutorial — Python 3.9.7 documentation</a:t>
-            </a:r>
-            <a:endParaRPr lang="en-US" dirty="0"/>
-          </a:p>
-          <a:p>
-            <a:r>
-              <a:rPr lang="en-US" dirty="0">
-                <a:latin typeface="Helvetica Neue" panose="02000503000000020004" pitchFamily="2" charset="0"/>
-                <a:ea typeface="Helvetica Neue" panose="02000503000000020004" pitchFamily="2" charset="0"/>
-              </a:rPr>
-              <a:t>(To be honest this is THE BEST source, it’s hard but nothing else comes close!)</a:t>
-            </a:r>
-            <a:endParaRPr lang="en-US" dirty="0">
-              <a:latin typeface="Helvetica Neue" panose="02000503000000020004" pitchFamily="2" charset="0"/>
-              <a:ea typeface="Helvetica Neue" panose="02000503000000020004" pitchFamily="2" charset="0"/>
-              <a:cs typeface="Helvetica Neue" panose="02000503000000020004" pitchFamily="2" charset="0"/>
-            </a:endParaRPr>
-          </a:p>
-          <a:p>
-            <a:endParaRPr lang="en-US" dirty="0">
-              <a:latin typeface="Helvetica Neue" panose="02000503000000020004" pitchFamily="2" charset="0"/>
-              <a:ea typeface="Helvetica Neue" panose="02000503000000020004" pitchFamily="2" charset="0"/>
-              <a:cs typeface="Helvetica Neue" panose="02000503000000020004" pitchFamily="2" charset="0"/>
-            </a:endParaRPr>
-          </a:p>
-          <a:p>
-            <a:r>
-              <a:rPr lang="en-US" dirty="0">
-                <a:latin typeface="Helvetica Neue" panose="02000503000000020004" pitchFamily="2" charset="0"/>
-                <a:ea typeface="Helvetica Neue" panose="02000503000000020004" pitchFamily="2" charset="0"/>
-                <a:cs typeface="Helvetica Neue" panose="02000503000000020004" pitchFamily="2" charset="0"/>
-              </a:rPr>
-              <a:t>Useful videos: </a:t>
-            </a:r>
-            <a:r>
-              <a:rPr lang="en-US" dirty="0">
-                <a:hlinkClick r:id="rId5"/>
-              </a:rPr>
-              <a:t>(1) Python Tutorial - Python for Beginners [Full Course] – YouTube</a:t>
-            </a:r>
-            <a:endParaRPr lang="en-US" dirty="0">
-              <a:latin typeface="Helvetica Neue" panose="02000503000000020004" pitchFamily="2" charset="0"/>
-            </a:endParaRPr>
-          </a:p>
-          <a:p>
-            <a:r>
-              <a:rPr lang="en-US" dirty="0">
-                <a:latin typeface="Helvetica Neue" panose="02000503000000020004" pitchFamily="2" charset="0"/>
-                <a:ea typeface="Helvetica Neue" panose="02000503000000020004" pitchFamily="2" charset="0"/>
-                <a:cs typeface="Helvetica Neue" panose="02000503000000020004" pitchFamily="2" charset="0"/>
-              </a:rPr>
-              <a:t>	</a:t>
-            </a:r>
-            <a:r>
-              <a:rPr lang="en-US" dirty="0">
-                <a:hlinkClick r:id="rId6"/>
-              </a:rPr>
-              <a:t>(1) Learn Python - Full Course for Beginners [Tutorial] – YouTube</a:t>
-            </a:r>
-            <a:endParaRPr lang="en-US" dirty="0"/>
-          </a:p>
-          <a:p>
-            <a:endParaRPr lang="en-US" dirty="0">
-              <a:latin typeface="Helvetica Neue" panose="02000503000000020004" pitchFamily="2" charset="0"/>
-              <a:ea typeface="Helvetica Neue" panose="02000503000000020004" pitchFamily="2" charset="0"/>
-              <a:cs typeface="Helvetica Neue" panose="02000503000000020004" pitchFamily="2" charset="0"/>
-            </a:endParaRPr>
-          </a:p>
-          <a:p>
-            <a:pPr algn="l">
-              <a:buFont typeface="Arial" panose="020B0604020202020204" pitchFamily="34" charset="0"/>
-              <a:buChar char="•"/>
-            </a:pPr>
-            <a:r>
-              <a:rPr lang="en-US" dirty="0">
-                <a:latin typeface="Helvetica Neue" panose="02000503000000020004" pitchFamily="2" charset="0"/>
-                <a:ea typeface="Helvetica Neue" panose="02000503000000020004" pitchFamily="2" charset="0"/>
-                <a:cs typeface="Helvetica Neue" panose="02000503000000020004" pitchFamily="2" charset="0"/>
-              </a:rPr>
-              <a:t>Books: </a:t>
-            </a:r>
-            <a:r>
-              <a:rPr lang="en-US" b="0" i="1" u="none" strike="noStrike" dirty="0">
-                <a:solidFill>
-                  <a:srgbClr val="619CCD"/>
-                </a:solidFill>
-                <a:effectLst/>
-                <a:latin typeface="source sans pro" panose="020B0604020202020204" pitchFamily="34" charset="0"/>
-                <a:hlinkClick r:id="rId7"/>
-              </a:rPr>
-              <a:t>Think Python</a:t>
-            </a:r>
-            <a:r>
-              <a:rPr lang="en-US" b="0" i="0" dirty="0">
-                <a:solidFill>
-                  <a:srgbClr val="32516B"/>
-                </a:solidFill>
-                <a:effectLst/>
-                <a:latin typeface="source sans pro" panose="020B0604020202020204" pitchFamily="34" charset="0"/>
-              </a:rPr>
-              <a:t>: The most basic of this list, </a:t>
-            </a:r>
-            <a:r>
-              <a:rPr lang="en-US" b="0" i="1" dirty="0">
-                <a:solidFill>
-                  <a:srgbClr val="32516B"/>
-                </a:solidFill>
-                <a:effectLst/>
-                <a:latin typeface="source sans pro" panose="020B0604020202020204" pitchFamily="34" charset="0"/>
-              </a:rPr>
-              <a:t>Think Python</a:t>
-            </a:r>
-            <a:r>
-              <a:rPr lang="en-US" b="0" i="0" dirty="0">
-                <a:solidFill>
-                  <a:srgbClr val="32516B"/>
-                </a:solidFill>
-                <a:effectLst/>
-                <a:latin typeface="source sans pro" panose="020B0604020202020204" pitchFamily="34" charset="0"/>
-              </a:rPr>
-              <a:t> provides a comprehensive Python reference.</a:t>
-            </a:r>
-          </a:p>
-          <a:p>
-            <a:pPr algn="l">
-              <a:buFont typeface="Arial" panose="020B0604020202020204" pitchFamily="34" charset="0"/>
-              <a:buChar char="•"/>
-            </a:pPr>
-            <a:r>
-              <a:rPr lang="en-US" b="0" i="1" u="none" strike="noStrike" dirty="0">
-                <a:solidFill>
-                  <a:srgbClr val="619CCD"/>
-                </a:solidFill>
-                <a:effectLst/>
-                <a:latin typeface="source sans pro" panose="020B0604020202020204" pitchFamily="34" charset="0"/>
-                <a:hlinkClick r:id="rId8"/>
-              </a:rPr>
-              <a:t>Fluent Python</a:t>
-            </a:r>
-            <a:r>
-              <a:rPr lang="en-US" b="0" i="0" dirty="0">
-                <a:solidFill>
-                  <a:srgbClr val="32516B"/>
-                </a:solidFill>
-                <a:effectLst/>
-                <a:latin typeface="source sans pro" panose="020B0604020202020204" pitchFamily="34" charset="0"/>
-              </a:rPr>
-              <a:t>: While Python’s simplicity lets you quickly start coding, this book teaches you how to write idiomatic Python code, while going into several deep topics of the language.</a:t>
-            </a:r>
-          </a:p>
-          <a:p>
-            <a:pPr algn="l">
-              <a:buFont typeface="Arial" panose="020B0604020202020204" pitchFamily="34" charset="0"/>
-              <a:buChar char="•"/>
-            </a:pPr>
-            <a:r>
-              <a:rPr lang="en-US" b="0" i="1" u="none" strike="noStrike" dirty="0">
-                <a:solidFill>
-                  <a:srgbClr val="619CCD"/>
-                </a:solidFill>
-                <a:effectLst/>
-                <a:latin typeface="source sans pro" panose="020B0604020202020204" pitchFamily="34" charset="0"/>
-                <a:hlinkClick r:id="rId9"/>
-              </a:rPr>
-              <a:t>Effective Python: 59 Ways to Write Better Python</a:t>
-            </a:r>
-            <a:r>
-              <a:rPr lang="en-US" b="0" i="0" dirty="0">
-                <a:solidFill>
-                  <a:srgbClr val="32516B"/>
-                </a:solidFill>
-                <a:effectLst/>
-                <a:latin typeface="source sans pro" panose="020B0604020202020204" pitchFamily="34" charset="0"/>
-              </a:rPr>
-              <a:t>: This relatively short book is a collection of 59 articles that, similarly to </a:t>
-            </a:r>
-            <a:r>
-              <a:rPr lang="en-US" b="0" i="1" dirty="0">
-                <a:solidFill>
-                  <a:srgbClr val="32516B"/>
-                </a:solidFill>
-                <a:effectLst/>
-                <a:latin typeface="source sans pro" panose="020B0604020202020204" pitchFamily="34" charset="0"/>
-              </a:rPr>
-              <a:t>Fluent Python</a:t>
-            </a:r>
-            <a:r>
-              <a:rPr lang="en-US" b="0" i="0" dirty="0">
-                <a:solidFill>
-                  <a:srgbClr val="32516B"/>
-                </a:solidFill>
-                <a:effectLst/>
-                <a:latin typeface="source sans pro" panose="020B0604020202020204" pitchFamily="34" charset="0"/>
-              </a:rPr>
-              <a:t>, focus on teaching you how to write truly Pythonic code.</a:t>
-            </a:r>
-          </a:p>
-          <a:p>
-            <a:pPr algn="l">
-              <a:buFont typeface="Arial" panose="020B0604020202020204" pitchFamily="34" charset="0"/>
-              <a:buChar char="•"/>
-            </a:pPr>
-            <a:r>
-              <a:rPr lang="en-US" b="0" i="1" u="none" strike="noStrike" dirty="0">
-                <a:solidFill>
-                  <a:srgbClr val="619CCD"/>
-                </a:solidFill>
-                <a:effectLst/>
-                <a:latin typeface="source sans pro" panose="020B0604020202020204" pitchFamily="34" charset="0"/>
-                <a:hlinkClick r:id="rId10"/>
-              </a:rPr>
-              <a:t>Python Cookbook</a:t>
-            </a:r>
-            <a:r>
-              <a:rPr lang="en-US" b="0" i="0" dirty="0">
-                <a:solidFill>
-                  <a:srgbClr val="32516B"/>
-                </a:solidFill>
-                <a:effectLst/>
-                <a:latin typeface="source sans pro" panose="020B0604020202020204" pitchFamily="34" charset="0"/>
-              </a:rPr>
-              <a:t>: As a ‘cookbook’, this will be a good reference on how to use Python to complete tasks you have done in another language.</a:t>
-            </a:r>
-          </a:p>
-          <a:p>
-            <a:endParaRPr lang="en-US" dirty="0">
-              <a:latin typeface="Helvetica Neue" panose="02000503000000020004" pitchFamily="2" charset="0"/>
-              <a:ea typeface="Helvetica Neue" panose="02000503000000020004" pitchFamily="2" charset="0"/>
-              <a:cs typeface="Helvetica Neue" panose="02000503000000020004" pitchFamily="2" charset="0"/>
-            </a:endParaRPr>
-          </a:p>
-        </p:txBody>
-      </p:sp>
-    </p:spTree>
-    <p:extLst>
-      <p:ext uri="{BB962C8B-B14F-4D97-AF65-F5344CB8AC3E}">
-        <p14:creationId xmlns:p14="http://schemas.microsoft.com/office/powerpoint/2010/main" val="3698007109"/>
-      </p:ext>
-    </p:extLst>
-  </p:cSld>
-  <p:clrMapOvr>
-    <a:masterClrMapping/>
-  </p:clrMapOvr>
-</p:sld>
-</file>
-
-<file path=ppt/slides/slide11.xml><?xml version="1.0" encoding="utf-8"?>
-<p:sld xmlns:a="http://schemas.openxmlformats.org/drawingml/2006/main" xmlns:r="http://schemas.openxmlformats.org/officeDocument/2006/relationships" xmlns:p="http://schemas.openxmlformats.org/presentationml/2006/main">
-  <p:cSld>
-    <p:spTree>
-      <p:nvGrpSpPr>
-        <p:cNvPr id="1" name=""/>
-        <p:cNvGrpSpPr/>
-        <p:nvPr/>
-      </p:nvGrpSpPr>
-      <p:grpSpPr>
-        <a:xfrm>
-          <a:off x="0" y="0"/>
-          <a:ext cx="0" cy="0"/>
-          <a:chOff x="0" y="0"/>
-          <a:chExt cx="0" cy="0"/>
-        </a:xfrm>
-      </p:grpSpPr>
-      <p:pic>
-        <p:nvPicPr>
-          <p:cNvPr id="2" name="Picture 8" descr="Ribes Tech srl Employees, Location, Careers | LinkedIn">
-            <a:extLst>
-              <a:ext uri="{FF2B5EF4-FFF2-40B4-BE49-F238E27FC236}">
-                <a16:creationId xmlns:a16="http://schemas.microsoft.com/office/drawing/2014/main" id="{7FA49767-E597-CB4B-8850-B5AACC1D2A60}"/>
-              </a:ext>
-            </a:extLst>
-          </p:cNvPr>
-          <p:cNvPicPr>
-            <a:picLocks noChangeAspect="1" noChangeArrowheads="1"/>
-          </p:cNvPicPr>
-          <p:nvPr/>
-        </p:nvPicPr>
-        <p:blipFill>
-          <a:blip r:embed="rId3">
-            <a:extLst>
-              <a:ext uri="{28A0092B-C50C-407E-A947-70E740481C1C}">
-                <a14:useLocalDpi xmlns:a14="http://schemas.microsoft.com/office/drawing/2010/main" val="0"/>
-              </a:ext>
-            </a:extLst>
-          </a:blip>
-          <a:srcRect/>
-          <a:stretch>
-            <a:fillRect/>
-          </a:stretch>
-        </p:blipFill>
-        <p:spPr bwMode="auto">
-          <a:xfrm>
-            <a:off x="0" y="9811"/>
-            <a:ext cx="9144000" cy="5143500"/>
-          </a:xfrm>
-          <a:prstGeom prst="rect">
-            <a:avLst/>
-          </a:prstGeom>
-          <a:noFill/>
-          <a:extLst>
-            <a:ext uri="{909E8E84-426E-40DD-AFC4-6F175D3DCCD1}">
-              <a14:hiddenFill xmlns:a14="http://schemas.microsoft.com/office/drawing/2010/main">
-                <a:solidFill>
-                  <a:srgbClr val="FFFFFF"/>
-                </a:solidFill>
-              </a14:hiddenFill>
-            </a:ext>
-          </a:extLst>
-        </p:spPr>
-      </p:pic>
-      <p:sp>
-        <p:nvSpPr>
-          <p:cNvPr id="3" name="TextBox 2">
-            <a:extLst>
-              <a:ext uri="{FF2B5EF4-FFF2-40B4-BE49-F238E27FC236}">
-                <a16:creationId xmlns:a16="http://schemas.microsoft.com/office/drawing/2014/main" id="{5A7A4932-D879-9B45-8A3C-F85FFAE4C299}"/>
-              </a:ext>
-            </a:extLst>
-          </p:cNvPr>
-          <p:cNvSpPr txBox="1"/>
-          <p:nvPr/>
-        </p:nvSpPr>
-        <p:spPr>
-          <a:xfrm>
-            <a:off x="2370960" y="674536"/>
-            <a:ext cx="4096871" cy="1077218"/>
-          </a:xfrm>
-          <a:prstGeom prst="rect">
-            <a:avLst/>
-          </a:prstGeom>
-          <a:noFill/>
-        </p:spPr>
-        <p:txBody>
-          <a:bodyPr wrap="square" rtlCol="0">
-            <a:spAutoFit/>
-          </a:bodyPr>
-          <a:lstStyle/>
-          <a:p>
-            <a:pPr algn="ctr"/>
-            <a:r>
-              <a:rPr lang="en-US" sz="3200" b="1" dirty="0">
-                <a:solidFill>
-                  <a:srgbClr val="373E84"/>
-                </a:solidFill>
-                <a:latin typeface="Courier New" panose="02070309020205020404" pitchFamily="49" charset="0"/>
-                <a:cs typeface="Courier New" panose="02070309020205020404" pitchFamily="49" charset="0"/>
-              </a:rPr>
-              <a:t>Let</a:t>
-            </a:r>
-            <a:r>
-              <a:rPr lang="en-AE" sz="3200" b="1" dirty="0">
-                <a:solidFill>
-                  <a:srgbClr val="373E84"/>
-                </a:solidFill>
-                <a:latin typeface="Courier New" panose="02070309020205020404" pitchFamily="49" charset="0"/>
-                <a:cs typeface="Courier New" panose="02070309020205020404" pitchFamily="49" charset="0"/>
-              </a:rPr>
-              <a:t>’s start Coding </a:t>
-            </a:r>
-            <a:r>
-              <a:rPr lang="en-AE" sz="3200" b="1" dirty="0">
-                <a:solidFill>
-                  <a:srgbClr val="373E84"/>
-                </a:solidFill>
-                <a:latin typeface="Courier New" panose="02070309020205020404" pitchFamily="49" charset="0"/>
-                <a:cs typeface="Courier New" panose="02070309020205020404" pitchFamily="49" charset="0"/>
-                <a:sym typeface="Wingdings" panose="05000000000000000000" pitchFamily="2" charset="2"/>
-              </a:rPr>
-              <a:t></a:t>
-            </a:r>
-            <a:endParaRPr lang="en-US" sz="3200" b="1" dirty="0">
-              <a:solidFill>
-                <a:srgbClr val="373E84"/>
-              </a:solidFill>
-              <a:latin typeface="Courier New" panose="02070309020205020404" pitchFamily="49" charset="0"/>
-              <a:cs typeface="Courier New" panose="02070309020205020404" pitchFamily="49" charset="0"/>
-            </a:endParaRPr>
-          </a:p>
-        </p:txBody>
-      </p:sp>
-      <p:sp>
-        <p:nvSpPr>
-          <p:cNvPr id="9" name="Content Placeholder 2">
-            <a:extLst>
-              <a:ext uri="{FF2B5EF4-FFF2-40B4-BE49-F238E27FC236}">
-                <a16:creationId xmlns:a16="http://schemas.microsoft.com/office/drawing/2014/main" id="{56645D33-BC4C-7E40-ABAB-DB8C75D969BE}"/>
-              </a:ext>
-            </a:extLst>
-          </p:cNvPr>
-          <p:cNvSpPr txBox="1">
-            <a:spLocks/>
-          </p:cNvSpPr>
-          <p:nvPr/>
-        </p:nvSpPr>
-        <p:spPr>
-          <a:xfrm>
-            <a:off x="1783568" y="1077382"/>
-            <a:ext cx="6104964" cy="584776"/>
-          </a:xfrm>
-          <a:prstGeom prst="rect">
-            <a:avLst/>
-          </a:prstGeom>
-        </p:spPr>
-        <p:txBody>
-          <a:bodyPr/>
-          <a:lstStyle>
-            <a:defPPr marR="0" lvl="0" algn="l" rtl="0">
-              <a:lnSpc>
-                <a:spcPct val="100000"/>
-              </a:lnSpc>
-              <a:spcBef>
-                <a:spcPts val="0"/>
-              </a:spcBef>
-              <a:spcAft>
-                <a:spcPts val="0"/>
-              </a:spcAft>
-            </a:defPPr>
-            <a:lvl1pPr marR="0" lvl="0" algn="l" rtl="0">
-              <a:lnSpc>
-                <a:spcPct val="100000"/>
-              </a:lnSpc>
-              <a:spcBef>
-                <a:spcPts val="0"/>
-              </a:spcBef>
-              <a:spcAft>
-                <a:spcPts val="0"/>
-              </a:spcAft>
-              <a:buClr>
-                <a:srgbClr val="000000"/>
-              </a:buClr>
-              <a:buFont typeface="Arial"/>
-              <a:defRPr sz="1400" b="0" i="0" u="none" strike="noStrike" cap="none">
-                <a:solidFill>
-                  <a:srgbClr val="000000"/>
-                </a:solidFill>
-                <a:latin typeface="Arial"/>
-                <a:ea typeface="Arial"/>
-                <a:cs typeface="Arial"/>
-                <a:sym typeface="Arial"/>
-              </a:defRPr>
-            </a:lvl1pPr>
-            <a:lvl2pPr marR="0" lvl="1" algn="l" rtl="0">
-              <a:lnSpc>
-                <a:spcPct val="100000"/>
-              </a:lnSpc>
-              <a:spcBef>
-                <a:spcPts val="0"/>
-              </a:spcBef>
-              <a:spcAft>
-                <a:spcPts val="0"/>
-              </a:spcAft>
-              <a:buClr>
-                <a:srgbClr val="000000"/>
-              </a:buClr>
-              <a:buFont typeface="Arial"/>
-              <a:defRPr sz="1400" b="0" i="0" u="none" strike="noStrike" cap="none">
-                <a:solidFill>
-                  <a:srgbClr val="000000"/>
-                </a:solidFill>
-                <a:latin typeface="Arial"/>
-                <a:ea typeface="Arial"/>
-                <a:cs typeface="Arial"/>
-                <a:sym typeface="Arial"/>
-              </a:defRPr>
-            </a:lvl2pPr>
-            <a:lvl3pPr marR="0" lvl="2" algn="l" rtl="0">
-              <a:lnSpc>
-                <a:spcPct val="100000"/>
-              </a:lnSpc>
-              <a:spcBef>
-                <a:spcPts val="0"/>
-              </a:spcBef>
-              <a:spcAft>
-                <a:spcPts val="0"/>
-              </a:spcAft>
-              <a:buClr>
-                <a:srgbClr val="000000"/>
-              </a:buClr>
-              <a:buFont typeface="Arial"/>
-              <a:defRPr sz="1400" b="0" i="0" u="none" strike="noStrike" cap="none">
-                <a:solidFill>
-                  <a:srgbClr val="000000"/>
-                </a:solidFill>
-                <a:latin typeface="Arial"/>
-                <a:ea typeface="Arial"/>
-                <a:cs typeface="Arial"/>
-                <a:sym typeface="Arial"/>
-              </a:defRPr>
-            </a:lvl3pPr>
-            <a:lvl4pPr marR="0" lvl="3" algn="l" rtl="0">
-              <a:lnSpc>
-                <a:spcPct val="100000"/>
-              </a:lnSpc>
-              <a:spcBef>
-                <a:spcPts val="0"/>
-              </a:spcBef>
-              <a:spcAft>
-                <a:spcPts val="0"/>
-              </a:spcAft>
-              <a:buClr>
-                <a:srgbClr val="000000"/>
-              </a:buClr>
-              <a:buFont typeface="Arial"/>
-              <a:defRPr sz="1400" b="0" i="0" u="none" strike="noStrike" cap="none">
-                <a:solidFill>
-                  <a:srgbClr val="000000"/>
-                </a:solidFill>
-                <a:latin typeface="Arial"/>
-                <a:ea typeface="Arial"/>
-                <a:cs typeface="Arial"/>
-                <a:sym typeface="Arial"/>
-              </a:defRPr>
-            </a:lvl4pPr>
-            <a:lvl5pPr marR="0" lvl="4" algn="l" rtl="0">
-              <a:lnSpc>
-                <a:spcPct val="100000"/>
-              </a:lnSpc>
-              <a:spcBef>
-                <a:spcPts val="0"/>
-              </a:spcBef>
-              <a:spcAft>
-                <a:spcPts val="0"/>
-              </a:spcAft>
-              <a:buClr>
-                <a:srgbClr val="000000"/>
-              </a:buClr>
-              <a:buFont typeface="Arial"/>
-              <a:defRPr sz="1400" b="0" i="0" u="none" strike="noStrike" cap="none">
-                <a:solidFill>
-                  <a:srgbClr val="000000"/>
-                </a:solidFill>
-                <a:latin typeface="Arial"/>
-                <a:ea typeface="Arial"/>
-                <a:cs typeface="Arial"/>
-                <a:sym typeface="Arial"/>
-              </a:defRPr>
-            </a:lvl5pPr>
-            <a:lvl6pPr marR="0" lvl="5" algn="l" rtl="0">
-              <a:lnSpc>
-                <a:spcPct val="100000"/>
-              </a:lnSpc>
-              <a:spcBef>
-                <a:spcPts val="0"/>
-              </a:spcBef>
-              <a:spcAft>
-                <a:spcPts val="0"/>
-              </a:spcAft>
-              <a:buClr>
-                <a:srgbClr val="000000"/>
-              </a:buClr>
-              <a:buFont typeface="Arial"/>
-              <a:defRPr sz="1400" b="0" i="0" u="none" strike="noStrike" cap="none">
-                <a:solidFill>
-                  <a:srgbClr val="000000"/>
-                </a:solidFill>
-                <a:latin typeface="Arial"/>
-                <a:ea typeface="Arial"/>
-                <a:cs typeface="Arial"/>
-                <a:sym typeface="Arial"/>
-              </a:defRPr>
-            </a:lvl6pPr>
-            <a:lvl7pPr marR="0" lvl="6" algn="l" rtl="0">
-              <a:lnSpc>
-                <a:spcPct val="100000"/>
-              </a:lnSpc>
-              <a:spcBef>
-                <a:spcPts val="0"/>
-              </a:spcBef>
-              <a:spcAft>
-                <a:spcPts val="0"/>
-              </a:spcAft>
-              <a:buClr>
-                <a:srgbClr val="000000"/>
-              </a:buClr>
-              <a:buFont typeface="Arial"/>
-              <a:defRPr sz="1400" b="0" i="0" u="none" strike="noStrike" cap="none">
-                <a:solidFill>
-                  <a:srgbClr val="000000"/>
-                </a:solidFill>
-                <a:latin typeface="Arial"/>
-                <a:ea typeface="Arial"/>
-                <a:cs typeface="Arial"/>
-                <a:sym typeface="Arial"/>
-              </a:defRPr>
-            </a:lvl7pPr>
-            <a:lvl8pPr marR="0" lvl="7" algn="l" rtl="0">
-              <a:lnSpc>
-                <a:spcPct val="100000"/>
-              </a:lnSpc>
-              <a:spcBef>
-                <a:spcPts val="0"/>
-              </a:spcBef>
-              <a:spcAft>
-                <a:spcPts val="0"/>
-              </a:spcAft>
-              <a:buClr>
-                <a:srgbClr val="000000"/>
-              </a:buClr>
-              <a:buFont typeface="Arial"/>
-              <a:defRPr sz="1400" b="0" i="0" u="none" strike="noStrike" cap="none">
-                <a:solidFill>
-                  <a:srgbClr val="000000"/>
-                </a:solidFill>
-                <a:latin typeface="Arial"/>
-                <a:ea typeface="Arial"/>
-                <a:cs typeface="Arial"/>
-                <a:sym typeface="Arial"/>
-              </a:defRPr>
-            </a:lvl8pPr>
-            <a:lvl9pPr marR="0" lvl="8" algn="l" rtl="0">
-              <a:lnSpc>
-                <a:spcPct val="100000"/>
-              </a:lnSpc>
-              <a:spcBef>
-                <a:spcPts val="0"/>
-              </a:spcBef>
-              <a:spcAft>
-                <a:spcPts val="0"/>
-              </a:spcAft>
-              <a:buClr>
-                <a:srgbClr val="000000"/>
-              </a:buClr>
-              <a:buFont typeface="Arial"/>
-              <a:defRPr sz="1400" b="0" i="0" u="none" strike="noStrike" cap="none">
-                <a:solidFill>
-                  <a:srgbClr val="000000"/>
-                </a:solidFill>
-                <a:latin typeface="Arial"/>
-                <a:ea typeface="Arial"/>
-                <a:cs typeface="Arial"/>
-                <a:sym typeface="Arial"/>
-              </a:defRPr>
-            </a:lvl9pPr>
-          </a:lstStyle>
-          <a:p>
-            <a:endParaRPr lang="en-US" sz="1200" dirty="0">
-              <a:solidFill>
-                <a:srgbClr val="373E84"/>
-              </a:solidFill>
-              <a:latin typeface="Helvetica Neue" panose="02000503000000020004" pitchFamily="2" charset="0"/>
-              <a:ea typeface="Helvetica Neue" panose="02000503000000020004" pitchFamily="2" charset="0"/>
-              <a:cs typeface="Helvetica Neue" panose="02000503000000020004" pitchFamily="2" charset="0"/>
-            </a:endParaRPr>
-          </a:p>
-        </p:txBody>
-      </p:sp>
-      <p:sp>
-        <p:nvSpPr>
-          <p:cNvPr id="10" name="TextBox 9">
-            <a:extLst>
-              <a:ext uri="{FF2B5EF4-FFF2-40B4-BE49-F238E27FC236}">
-                <a16:creationId xmlns:a16="http://schemas.microsoft.com/office/drawing/2014/main" id="{09EC3D19-97E6-1F48-8C01-EF7743E6DF33}"/>
-              </a:ext>
-            </a:extLst>
-          </p:cNvPr>
-          <p:cNvSpPr txBox="1"/>
-          <p:nvPr/>
-        </p:nvSpPr>
-        <p:spPr>
-          <a:xfrm>
-            <a:off x="1783568" y="1662158"/>
-            <a:ext cx="4527177" cy="523220"/>
-          </a:xfrm>
-          <a:prstGeom prst="rect">
-            <a:avLst/>
-          </a:prstGeom>
-          <a:noFill/>
-        </p:spPr>
-        <p:txBody>
-          <a:bodyPr wrap="square" rtlCol="0">
-            <a:spAutoFit/>
-          </a:bodyPr>
-          <a:lstStyle/>
-          <a:p>
-            <a:pPr marL="285750" lvl="1" indent="-285750">
-              <a:buFont typeface="Courier New" panose="02070309020205020404" pitchFamily="49" charset="0"/>
-              <a:buChar char="o"/>
-            </a:pPr>
-            <a:endParaRPr lang="en-US" dirty="0">
-              <a:latin typeface="Helvetica Neue" panose="02000503000000020004" pitchFamily="2" charset="0"/>
-              <a:ea typeface="Helvetica Neue" panose="02000503000000020004" pitchFamily="2" charset="0"/>
-              <a:cs typeface="Helvetica Neue" panose="02000503000000020004" pitchFamily="2" charset="0"/>
-            </a:endParaRPr>
-          </a:p>
-          <a:p>
-            <a:endParaRPr lang="en-AE" dirty="0"/>
-          </a:p>
-        </p:txBody>
-      </p:sp>
-      <p:sp>
-        <p:nvSpPr>
-          <p:cNvPr id="8" name="Content Placeholder 2">
-            <a:extLst>
-              <a:ext uri="{FF2B5EF4-FFF2-40B4-BE49-F238E27FC236}">
-                <a16:creationId xmlns:a16="http://schemas.microsoft.com/office/drawing/2014/main" id="{02AC4993-0C61-4ACE-9290-32E89C800D27}"/>
-              </a:ext>
-            </a:extLst>
-          </p:cNvPr>
-          <p:cNvSpPr txBox="1">
-            <a:spLocks/>
-          </p:cNvSpPr>
-          <p:nvPr/>
-        </p:nvSpPr>
-        <p:spPr>
-          <a:xfrm>
-            <a:off x="1783568" y="3637034"/>
-            <a:ext cx="6104964" cy="584776"/>
-          </a:xfrm>
-          <a:prstGeom prst="rect">
-            <a:avLst/>
-          </a:prstGeom>
-        </p:spPr>
-        <p:txBody>
-          <a:bodyPr/>
-          <a:lstStyle>
-            <a:defPPr marR="0" lvl="0" algn="l" rtl="0">
-              <a:lnSpc>
-                <a:spcPct val="100000"/>
-              </a:lnSpc>
-              <a:spcBef>
-                <a:spcPts val="0"/>
-              </a:spcBef>
-              <a:spcAft>
-                <a:spcPts val="0"/>
-              </a:spcAft>
-            </a:defPPr>
-            <a:lvl1pPr marR="0" lvl="0" algn="l" rtl="0">
-              <a:lnSpc>
-                <a:spcPct val="100000"/>
-              </a:lnSpc>
-              <a:spcBef>
-                <a:spcPts val="0"/>
-              </a:spcBef>
-              <a:spcAft>
-                <a:spcPts val="0"/>
-              </a:spcAft>
-              <a:buClr>
-                <a:srgbClr val="000000"/>
-              </a:buClr>
-              <a:buFont typeface="Arial"/>
-              <a:defRPr sz="1400" b="0" i="0" u="none" strike="noStrike" cap="none">
-                <a:solidFill>
-                  <a:srgbClr val="000000"/>
-                </a:solidFill>
-                <a:latin typeface="Arial"/>
-                <a:ea typeface="Arial"/>
-                <a:cs typeface="Arial"/>
-                <a:sym typeface="Arial"/>
-              </a:defRPr>
-            </a:lvl1pPr>
-            <a:lvl2pPr marR="0" lvl="1" algn="l" rtl="0">
-              <a:lnSpc>
-                <a:spcPct val="100000"/>
-              </a:lnSpc>
-              <a:spcBef>
-                <a:spcPts val="0"/>
-              </a:spcBef>
-              <a:spcAft>
-                <a:spcPts val="0"/>
-              </a:spcAft>
-              <a:buClr>
-                <a:srgbClr val="000000"/>
-              </a:buClr>
-              <a:buFont typeface="Arial"/>
-              <a:defRPr sz="1400" b="0" i="0" u="none" strike="noStrike" cap="none">
-                <a:solidFill>
-                  <a:srgbClr val="000000"/>
-                </a:solidFill>
-                <a:latin typeface="Arial"/>
-                <a:ea typeface="Arial"/>
-                <a:cs typeface="Arial"/>
-                <a:sym typeface="Arial"/>
-              </a:defRPr>
-            </a:lvl2pPr>
-            <a:lvl3pPr marR="0" lvl="2" algn="l" rtl="0">
-              <a:lnSpc>
-                <a:spcPct val="100000"/>
-              </a:lnSpc>
-              <a:spcBef>
-                <a:spcPts val="0"/>
-              </a:spcBef>
-              <a:spcAft>
-                <a:spcPts val="0"/>
-              </a:spcAft>
-              <a:buClr>
-                <a:srgbClr val="000000"/>
-              </a:buClr>
-              <a:buFont typeface="Arial"/>
-              <a:defRPr sz="1400" b="0" i="0" u="none" strike="noStrike" cap="none">
-                <a:solidFill>
-                  <a:srgbClr val="000000"/>
-                </a:solidFill>
-                <a:latin typeface="Arial"/>
-                <a:ea typeface="Arial"/>
-                <a:cs typeface="Arial"/>
-                <a:sym typeface="Arial"/>
-              </a:defRPr>
-            </a:lvl3pPr>
-            <a:lvl4pPr marR="0" lvl="3" algn="l" rtl="0">
-              <a:lnSpc>
-                <a:spcPct val="100000"/>
-              </a:lnSpc>
-              <a:spcBef>
-                <a:spcPts val="0"/>
-              </a:spcBef>
-              <a:spcAft>
-                <a:spcPts val="0"/>
-              </a:spcAft>
-              <a:buClr>
-                <a:srgbClr val="000000"/>
-              </a:buClr>
-              <a:buFont typeface="Arial"/>
-              <a:defRPr sz="1400" b="0" i="0" u="none" strike="noStrike" cap="none">
-                <a:solidFill>
-                  <a:srgbClr val="000000"/>
-                </a:solidFill>
-                <a:latin typeface="Arial"/>
-                <a:ea typeface="Arial"/>
-                <a:cs typeface="Arial"/>
-                <a:sym typeface="Arial"/>
-              </a:defRPr>
-            </a:lvl4pPr>
-            <a:lvl5pPr marR="0" lvl="4" algn="l" rtl="0">
-              <a:lnSpc>
-                <a:spcPct val="100000"/>
-              </a:lnSpc>
-              <a:spcBef>
-                <a:spcPts val="0"/>
-              </a:spcBef>
-              <a:spcAft>
-                <a:spcPts val="0"/>
-              </a:spcAft>
-              <a:buClr>
-                <a:srgbClr val="000000"/>
-              </a:buClr>
-              <a:buFont typeface="Arial"/>
-              <a:defRPr sz="1400" b="0" i="0" u="none" strike="noStrike" cap="none">
-                <a:solidFill>
-                  <a:srgbClr val="000000"/>
-                </a:solidFill>
-                <a:latin typeface="Arial"/>
-                <a:ea typeface="Arial"/>
-                <a:cs typeface="Arial"/>
-                <a:sym typeface="Arial"/>
-              </a:defRPr>
-            </a:lvl5pPr>
-            <a:lvl6pPr marR="0" lvl="5" algn="l" rtl="0">
-              <a:lnSpc>
-                <a:spcPct val="100000"/>
-              </a:lnSpc>
-              <a:spcBef>
-                <a:spcPts val="0"/>
-              </a:spcBef>
-              <a:spcAft>
-                <a:spcPts val="0"/>
-              </a:spcAft>
-              <a:buClr>
-                <a:srgbClr val="000000"/>
-              </a:buClr>
-              <a:buFont typeface="Arial"/>
-              <a:defRPr sz="1400" b="0" i="0" u="none" strike="noStrike" cap="none">
-                <a:solidFill>
-                  <a:srgbClr val="000000"/>
-                </a:solidFill>
-                <a:latin typeface="Arial"/>
-                <a:ea typeface="Arial"/>
-                <a:cs typeface="Arial"/>
-                <a:sym typeface="Arial"/>
-              </a:defRPr>
-            </a:lvl6pPr>
-            <a:lvl7pPr marR="0" lvl="6" algn="l" rtl="0">
-              <a:lnSpc>
-                <a:spcPct val="100000"/>
-              </a:lnSpc>
-              <a:spcBef>
-                <a:spcPts val="0"/>
-              </a:spcBef>
-              <a:spcAft>
-                <a:spcPts val="0"/>
-              </a:spcAft>
-              <a:buClr>
-                <a:srgbClr val="000000"/>
-              </a:buClr>
-              <a:buFont typeface="Arial"/>
-              <a:defRPr sz="1400" b="0" i="0" u="none" strike="noStrike" cap="none">
-                <a:solidFill>
-                  <a:srgbClr val="000000"/>
-                </a:solidFill>
-                <a:latin typeface="Arial"/>
-                <a:ea typeface="Arial"/>
-                <a:cs typeface="Arial"/>
-                <a:sym typeface="Arial"/>
-              </a:defRPr>
-            </a:lvl7pPr>
-            <a:lvl8pPr marR="0" lvl="7" algn="l" rtl="0">
-              <a:lnSpc>
-                <a:spcPct val="100000"/>
-              </a:lnSpc>
-              <a:spcBef>
-                <a:spcPts val="0"/>
-              </a:spcBef>
-              <a:spcAft>
-                <a:spcPts val="0"/>
-              </a:spcAft>
-              <a:buClr>
-                <a:srgbClr val="000000"/>
-              </a:buClr>
-              <a:buFont typeface="Arial"/>
-              <a:defRPr sz="1400" b="0" i="0" u="none" strike="noStrike" cap="none">
-                <a:solidFill>
-                  <a:srgbClr val="000000"/>
-                </a:solidFill>
-                <a:latin typeface="Arial"/>
-                <a:ea typeface="Arial"/>
-                <a:cs typeface="Arial"/>
-                <a:sym typeface="Arial"/>
-              </a:defRPr>
-            </a:lvl8pPr>
-            <a:lvl9pPr marR="0" lvl="8" algn="l" rtl="0">
-              <a:lnSpc>
-                <a:spcPct val="100000"/>
-              </a:lnSpc>
-              <a:spcBef>
-                <a:spcPts val="0"/>
-              </a:spcBef>
-              <a:spcAft>
-                <a:spcPts val="0"/>
-              </a:spcAft>
-              <a:buClr>
-                <a:srgbClr val="000000"/>
-              </a:buClr>
-              <a:buFont typeface="Arial"/>
-              <a:defRPr sz="1400" b="0" i="0" u="none" strike="noStrike" cap="none">
-                <a:solidFill>
-                  <a:srgbClr val="000000"/>
-                </a:solidFill>
-                <a:latin typeface="Arial"/>
-                <a:ea typeface="Arial"/>
-                <a:cs typeface="Arial"/>
-                <a:sym typeface="Arial"/>
-              </a:defRPr>
-            </a:lvl9pPr>
-          </a:lstStyle>
-          <a:p>
-            <a:endParaRPr lang="en-US" sz="1200" u="sng" dirty="0">
-              <a:solidFill>
-                <a:srgbClr val="373E84"/>
-              </a:solidFill>
-              <a:latin typeface="Helvetica Neue" panose="02000503000000020004" pitchFamily="2" charset="0"/>
-              <a:ea typeface="Helvetica Neue" panose="02000503000000020004" pitchFamily="2" charset="0"/>
-              <a:cs typeface="Helvetica Neue" panose="02000503000000020004" pitchFamily="2" charset="0"/>
-            </a:endParaRPr>
-          </a:p>
-        </p:txBody>
-      </p:sp>
-      <p:sp>
-        <p:nvSpPr>
-          <p:cNvPr id="11" name="TextBox 10">
-            <a:extLst>
-              <a:ext uri="{FF2B5EF4-FFF2-40B4-BE49-F238E27FC236}">
-                <a16:creationId xmlns:a16="http://schemas.microsoft.com/office/drawing/2014/main" id="{22307D62-5104-4E5C-B592-9D9C672F4F44}"/>
-              </a:ext>
-            </a:extLst>
-          </p:cNvPr>
-          <p:cNvSpPr txBox="1"/>
-          <p:nvPr/>
-        </p:nvSpPr>
-        <p:spPr>
-          <a:xfrm>
-            <a:off x="2261755" y="2294903"/>
-            <a:ext cx="4620490" cy="1969770"/>
-          </a:xfrm>
-          <a:prstGeom prst="rect">
-            <a:avLst/>
-          </a:prstGeom>
-          <a:noFill/>
-        </p:spPr>
-        <p:txBody>
-          <a:bodyPr wrap="square">
-            <a:spAutoFit/>
-          </a:bodyPr>
-          <a:lstStyle/>
-          <a:p>
-            <a:pPr algn="ctr"/>
-            <a:r>
-              <a:rPr lang="en-US" sz="1400" b="1" dirty="0">
-                <a:solidFill>
-                  <a:schemeClr val="tx1"/>
-                </a:solidFill>
-                <a:latin typeface="Courier New" panose="02070309020205020404" pitchFamily="49" charset="0"/>
-                <a:cs typeface="Courier New" panose="02070309020205020404" pitchFamily="49" charset="0"/>
-              </a:rPr>
-              <a:t>If you don’t have python installed on your pc open up the Replit online IDE if you want to code along.</a:t>
-            </a:r>
-          </a:p>
-          <a:p>
-            <a:pPr algn="ctr"/>
-            <a:endParaRPr lang="en-US" sz="1400" b="1" dirty="0">
-              <a:solidFill>
-                <a:schemeClr val="tx1"/>
-              </a:solidFill>
-              <a:latin typeface="Courier New" panose="02070309020205020404" pitchFamily="49" charset="0"/>
-              <a:cs typeface="Courier New" panose="02070309020205020404" pitchFamily="49" charset="0"/>
-            </a:endParaRPr>
-          </a:p>
-          <a:p>
-            <a:pPr algn="ctr"/>
-            <a:r>
-              <a:rPr lang="en-US" sz="1400" b="1" dirty="0">
-                <a:solidFill>
-                  <a:schemeClr val="tx1"/>
-                </a:solidFill>
-                <a:latin typeface="Courier New" panose="02070309020205020404" pitchFamily="49" charset="0"/>
-                <a:cs typeface="Courier New" panose="02070309020205020404" pitchFamily="49" charset="0"/>
-                <a:hlinkClick r:id="rId4"/>
-              </a:rPr>
-              <a:t>https://replit.com/</a:t>
-            </a:r>
-            <a:endParaRPr lang="en-US" sz="1400" b="1" dirty="0">
-              <a:solidFill>
-                <a:schemeClr val="tx1"/>
-              </a:solidFill>
-              <a:latin typeface="Courier New" panose="02070309020205020404" pitchFamily="49" charset="0"/>
-              <a:cs typeface="Courier New" panose="02070309020205020404" pitchFamily="49" charset="0"/>
-            </a:endParaRPr>
-          </a:p>
-          <a:p>
-            <a:pPr algn="ctr"/>
-            <a:endParaRPr lang="en-US" b="1" dirty="0">
-              <a:solidFill>
-                <a:schemeClr val="tx1"/>
-              </a:solidFill>
-              <a:latin typeface="Courier New" panose="02070309020205020404" pitchFamily="49" charset="0"/>
-              <a:cs typeface="Courier New" panose="02070309020205020404" pitchFamily="49" charset="0"/>
-            </a:endParaRPr>
-          </a:p>
-          <a:p>
-            <a:pPr algn="ctr"/>
-            <a:r>
-              <a:rPr lang="en-US" sz="2400" b="1" dirty="0">
-                <a:solidFill>
-                  <a:schemeClr val="tx1"/>
-                </a:solidFill>
-                <a:latin typeface="Courier New" panose="02070309020205020404" pitchFamily="49" charset="0"/>
-                <a:cs typeface="Courier New" panose="02070309020205020404" pitchFamily="49" charset="0"/>
-              </a:rPr>
-              <a:t>Any questions so far?</a:t>
-            </a:r>
-          </a:p>
-          <a:p>
-            <a:pPr algn="ctr"/>
-            <a:endParaRPr lang="en-US" sz="1400" b="1" dirty="0">
-              <a:solidFill>
-                <a:schemeClr val="tx1"/>
-              </a:solidFill>
-              <a:latin typeface="Courier New" panose="02070309020205020404" pitchFamily="49" charset="0"/>
-              <a:cs typeface="Courier New" panose="02070309020205020404" pitchFamily="49" charset="0"/>
-            </a:endParaRPr>
-          </a:p>
-        </p:txBody>
-      </p:sp>
-    </p:spTree>
-    <p:extLst>
-      <p:ext uri="{BB962C8B-B14F-4D97-AF65-F5344CB8AC3E}">
-        <p14:creationId xmlns:p14="http://schemas.microsoft.com/office/powerpoint/2010/main" val="3575197283"/>
-      </p:ext>
-    </p:extLst>
-  </p:cSld>
-  <p:clrMapOvr>
-    <a:masterClrMapping/>
-  </p:clrMapOvr>
-</p:sld>
-</file>
-
 <file path=ppt/slides/slide2.xml><?xml version="1.0" encoding="utf-8"?>
 <p:sld xmlns:a="http://schemas.openxmlformats.org/drawingml/2006/main" xmlns:r="http://schemas.openxmlformats.org/officeDocument/2006/relationships" xmlns:p="http://schemas.openxmlformats.org/presentationml/2006/main">
   <p:cSld>
@@ -8272,12 +6544,59 @@
           <a:chExt cx="0" cy="0"/>
         </a:xfrm>
       </p:grpSpPr>
+      <p:pic>
+        <p:nvPicPr>
+          <p:cNvPr id="2" name="Picture 8" descr="Ribes Tech srl Employees, Location, Careers | LinkedIn">
+            <a:extLst>
+              <a:ext uri="{FF2B5EF4-FFF2-40B4-BE49-F238E27FC236}">
+                <a16:creationId xmlns:a16="http://schemas.microsoft.com/office/drawing/2014/main" id="{7FA49767-E597-CB4B-8850-B5AACC1D2A60}"/>
+              </a:ext>
+            </a:extLst>
+          </p:cNvPr>
+          <p:cNvPicPr>
+            <a:picLocks noChangeAspect="1" noChangeArrowheads="1"/>
+          </p:cNvPicPr>
+          <p:nvPr/>
+        </p:nvPicPr>
+        <p:blipFill>
+          <a:blip r:embed="rId3">
+            <a:extLst>
+              <a:ext uri="{28A0092B-C50C-407E-A947-70E740481C1C}">
+                <a14:useLocalDpi xmlns:a14="http://schemas.microsoft.com/office/drawing/2010/main" val="0"/>
+              </a:ext>
+            </a:extLst>
+          </a:blip>
+          <a:srcRect/>
+          <a:stretch>
+            <a:fillRect/>
+          </a:stretch>
+        </p:blipFill>
+        <p:spPr bwMode="auto">
+          <a:xfrm>
+            <a:off x="-1" y="55418"/>
+            <a:ext cx="9144000" cy="5143500"/>
+          </a:xfrm>
+          <a:prstGeom prst="rect">
+            <a:avLst/>
+          </a:prstGeom>
+          <a:noFill/>
+          <a:extLst>
+            <a:ext uri="{909E8E84-426E-40DD-AFC4-6F175D3DCCD1}">
+              <a14:hiddenFill xmlns:a14="http://schemas.microsoft.com/office/drawing/2010/main">
+                <a:solidFill>
+                  <a:srgbClr val="FFFFFF"/>
+                </a:solidFill>
+              </a14:hiddenFill>
+            </a:ext>
+          </a:extLst>
+        </p:spPr>
+      </p:pic>
       <p:sp>
         <p:nvSpPr>
-          <p:cNvPr id="2" name="TextBox 1">
+          <p:cNvPr id="3" name="TextBox 2">
             <a:extLst>
               <a:ext uri="{FF2B5EF4-FFF2-40B4-BE49-F238E27FC236}">
-                <a16:creationId xmlns:a16="http://schemas.microsoft.com/office/drawing/2014/main" id="{B52F0EC6-ECF8-4B11-B658-6E7B9D9ADE7D}"/>
+                <a16:creationId xmlns:a16="http://schemas.microsoft.com/office/drawing/2014/main" id="{5A7A4932-D879-9B45-8A3C-F85FFAE4C299}"/>
               </a:ext>
             </a:extLst>
           </p:cNvPr>
@@ -8286,8 +6605,8 @@
         </p:nvSpPr>
         <p:spPr>
           <a:xfrm>
-            <a:off x="1549672" y="298281"/>
-            <a:ext cx="5924856" cy="584775"/>
+            <a:off x="2523564" y="304800"/>
+            <a:ext cx="4096871" cy="584775"/>
           </a:xfrm>
           <a:prstGeom prst="rect">
             <a:avLst/>
@@ -8302,24 +6621,337 @@
           <a:p>
             <a:pPr algn="ctr"/>
             <a:r>
-              <a:rPr lang="en-AE" sz="3200" b="1" dirty="0">
+              <a:rPr lang="en-US" sz="3200" b="1" dirty="0">
                 <a:solidFill>
                   <a:srgbClr val="373E84"/>
                 </a:solidFill>
                 <a:latin typeface="Courier New" panose="02070309020205020404" pitchFamily="49" charset="0"/>
                 <a:cs typeface="Courier New" panose="02070309020205020404" pitchFamily="49" charset="0"/>
               </a:rPr>
-              <a:t>Philosophy of python</a:t>
-            </a:r>
+              <a:t>Where to begin?</a:t>
+            </a:r>
+            <a:endParaRPr lang="en-AE" sz="3200" b="1" dirty="0">
+              <a:solidFill>
+                <a:srgbClr val="373E84"/>
+              </a:solidFill>
+              <a:latin typeface="Courier New" panose="02070309020205020404" pitchFamily="49" charset="0"/>
+              <a:cs typeface="Courier New" panose="02070309020205020404" pitchFamily="49" charset="0"/>
+            </a:endParaRPr>
           </a:p>
         </p:txBody>
       </p:sp>
       <p:sp>
         <p:nvSpPr>
-          <p:cNvPr id="3" name="TextBox 2">
+          <p:cNvPr id="9" name="Content Placeholder 2">
             <a:extLst>
               <a:ext uri="{FF2B5EF4-FFF2-40B4-BE49-F238E27FC236}">
-                <a16:creationId xmlns:a16="http://schemas.microsoft.com/office/drawing/2014/main" id="{B667A06A-DEAF-4C2C-AA87-8B583BC1C620}"/>
+                <a16:creationId xmlns:a16="http://schemas.microsoft.com/office/drawing/2014/main" id="{56645D33-BC4C-7E40-ABAB-DB8C75D969BE}"/>
+              </a:ext>
+            </a:extLst>
+          </p:cNvPr>
+          <p:cNvSpPr txBox="1">
+            <a:spLocks/>
+          </p:cNvSpPr>
+          <p:nvPr/>
+        </p:nvSpPr>
+        <p:spPr>
+          <a:xfrm>
+            <a:off x="1783568" y="1077382"/>
+            <a:ext cx="6104964" cy="584776"/>
+          </a:xfrm>
+          <a:prstGeom prst="rect">
+            <a:avLst/>
+          </a:prstGeom>
+        </p:spPr>
+        <p:txBody>
+          <a:bodyPr/>
+          <a:lstStyle>
+            <a:defPPr marR="0" lvl="0" algn="l" rtl="0">
+              <a:lnSpc>
+                <a:spcPct val="100000"/>
+              </a:lnSpc>
+              <a:spcBef>
+                <a:spcPts val="0"/>
+              </a:spcBef>
+              <a:spcAft>
+                <a:spcPts val="0"/>
+              </a:spcAft>
+            </a:defPPr>
+            <a:lvl1pPr marR="0" lvl="0" algn="l" rtl="0">
+              <a:lnSpc>
+                <a:spcPct val="100000"/>
+              </a:lnSpc>
+              <a:spcBef>
+                <a:spcPts val="0"/>
+              </a:spcBef>
+              <a:spcAft>
+                <a:spcPts val="0"/>
+              </a:spcAft>
+              <a:buClr>
+                <a:srgbClr val="000000"/>
+              </a:buClr>
+              <a:buFont typeface="Arial"/>
+              <a:defRPr sz="1400" b="0" i="0" u="none" strike="noStrike" cap="none">
+                <a:solidFill>
+                  <a:srgbClr val="000000"/>
+                </a:solidFill>
+                <a:latin typeface="Arial"/>
+                <a:ea typeface="Arial"/>
+                <a:cs typeface="Arial"/>
+                <a:sym typeface="Arial"/>
+              </a:defRPr>
+            </a:lvl1pPr>
+            <a:lvl2pPr marR="0" lvl="1" algn="l" rtl="0">
+              <a:lnSpc>
+                <a:spcPct val="100000"/>
+              </a:lnSpc>
+              <a:spcBef>
+                <a:spcPts val="0"/>
+              </a:spcBef>
+              <a:spcAft>
+                <a:spcPts val="0"/>
+              </a:spcAft>
+              <a:buClr>
+                <a:srgbClr val="000000"/>
+              </a:buClr>
+              <a:buFont typeface="Arial"/>
+              <a:defRPr sz="1400" b="0" i="0" u="none" strike="noStrike" cap="none">
+                <a:solidFill>
+                  <a:srgbClr val="000000"/>
+                </a:solidFill>
+                <a:latin typeface="Arial"/>
+                <a:ea typeface="Arial"/>
+                <a:cs typeface="Arial"/>
+                <a:sym typeface="Arial"/>
+              </a:defRPr>
+            </a:lvl2pPr>
+            <a:lvl3pPr marR="0" lvl="2" algn="l" rtl="0">
+              <a:lnSpc>
+                <a:spcPct val="100000"/>
+              </a:lnSpc>
+              <a:spcBef>
+                <a:spcPts val="0"/>
+              </a:spcBef>
+              <a:spcAft>
+                <a:spcPts val="0"/>
+              </a:spcAft>
+              <a:buClr>
+                <a:srgbClr val="000000"/>
+              </a:buClr>
+              <a:buFont typeface="Arial"/>
+              <a:defRPr sz="1400" b="0" i="0" u="none" strike="noStrike" cap="none">
+                <a:solidFill>
+                  <a:srgbClr val="000000"/>
+                </a:solidFill>
+                <a:latin typeface="Arial"/>
+                <a:ea typeface="Arial"/>
+                <a:cs typeface="Arial"/>
+                <a:sym typeface="Arial"/>
+              </a:defRPr>
+            </a:lvl3pPr>
+            <a:lvl4pPr marR="0" lvl="3" algn="l" rtl="0">
+              <a:lnSpc>
+                <a:spcPct val="100000"/>
+              </a:lnSpc>
+              <a:spcBef>
+                <a:spcPts val="0"/>
+              </a:spcBef>
+              <a:spcAft>
+                <a:spcPts val="0"/>
+              </a:spcAft>
+              <a:buClr>
+                <a:srgbClr val="000000"/>
+              </a:buClr>
+              <a:buFont typeface="Arial"/>
+              <a:defRPr sz="1400" b="0" i="0" u="none" strike="noStrike" cap="none">
+                <a:solidFill>
+                  <a:srgbClr val="000000"/>
+                </a:solidFill>
+                <a:latin typeface="Arial"/>
+                <a:ea typeface="Arial"/>
+                <a:cs typeface="Arial"/>
+                <a:sym typeface="Arial"/>
+              </a:defRPr>
+            </a:lvl4pPr>
+            <a:lvl5pPr marR="0" lvl="4" algn="l" rtl="0">
+              <a:lnSpc>
+                <a:spcPct val="100000"/>
+              </a:lnSpc>
+              <a:spcBef>
+                <a:spcPts val="0"/>
+              </a:spcBef>
+              <a:spcAft>
+                <a:spcPts val="0"/>
+              </a:spcAft>
+              <a:buClr>
+                <a:srgbClr val="000000"/>
+              </a:buClr>
+              <a:buFont typeface="Arial"/>
+              <a:defRPr sz="1400" b="0" i="0" u="none" strike="noStrike" cap="none">
+                <a:solidFill>
+                  <a:srgbClr val="000000"/>
+                </a:solidFill>
+                <a:latin typeface="Arial"/>
+                <a:ea typeface="Arial"/>
+                <a:cs typeface="Arial"/>
+                <a:sym typeface="Arial"/>
+              </a:defRPr>
+            </a:lvl5pPr>
+            <a:lvl6pPr marR="0" lvl="5" algn="l" rtl="0">
+              <a:lnSpc>
+                <a:spcPct val="100000"/>
+              </a:lnSpc>
+              <a:spcBef>
+                <a:spcPts val="0"/>
+              </a:spcBef>
+              <a:spcAft>
+                <a:spcPts val="0"/>
+              </a:spcAft>
+              <a:buClr>
+                <a:srgbClr val="000000"/>
+              </a:buClr>
+              <a:buFont typeface="Arial"/>
+              <a:defRPr sz="1400" b="0" i="0" u="none" strike="noStrike" cap="none">
+                <a:solidFill>
+                  <a:srgbClr val="000000"/>
+                </a:solidFill>
+                <a:latin typeface="Arial"/>
+                <a:ea typeface="Arial"/>
+                <a:cs typeface="Arial"/>
+                <a:sym typeface="Arial"/>
+              </a:defRPr>
+            </a:lvl6pPr>
+            <a:lvl7pPr marR="0" lvl="6" algn="l" rtl="0">
+              <a:lnSpc>
+                <a:spcPct val="100000"/>
+              </a:lnSpc>
+              <a:spcBef>
+                <a:spcPts val="0"/>
+              </a:spcBef>
+              <a:spcAft>
+                <a:spcPts val="0"/>
+              </a:spcAft>
+              <a:buClr>
+                <a:srgbClr val="000000"/>
+              </a:buClr>
+              <a:buFont typeface="Arial"/>
+              <a:defRPr sz="1400" b="0" i="0" u="none" strike="noStrike" cap="none">
+                <a:solidFill>
+                  <a:srgbClr val="000000"/>
+                </a:solidFill>
+                <a:latin typeface="Arial"/>
+                <a:ea typeface="Arial"/>
+                <a:cs typeface="Arial"/>
+                <a:sym typeface="Arial"/>
+              </a:defRPr>
+            </a:lvl7pPr>
+            <a:lvl8pPr marR="0" lvl="7" algn="l" rtl="0">
+              <a:lnSpc>
+                <a:spcPct val="100000"/>
+              </a:lnSpc>
+              <a:spcBef>
+                <a:spcPts val="0"/>
+              </a:spcBef>
+              <a:spcAft>
+                <a:spcPts val="0"/>
+              </a:spcAft>
+              <a:buClr>
+                <a:srgbClr val="000000"/>
+              </a:buClr>
+              <a:buFont typeface="Arial"/>
+              <a:defRPr sz="1400" b="0" i="0" u="none" strike="noStrike" cap="none">
+                <a:solidFill>
+                  <a:srgbClr val="000000"/>
+                </a:solidFill>
+                <a:latin typeface="Arial"/>
+                <a:ea typeface="Arial"/>
+                <a:cs typeface="Arial"/>
+                <a:sym typeface="Arial"/>
+              </a:defRPr>
+            </a:lvl8pPr>
+            <a:lvl9pPr marR="0" lvl="8" algn="l" rtl="0">
+              <a:lnSpc>
+                <a:spcPct val="100000"/>
+              </a:lnSpc>
+              <a:spcBef>
+                <a:spcPts val="0"/>
+              </a:spcBef>
+              <a:spcAft>
+                <a:spcPts val="0"/>
+              </a:spcAft>
+              <a:buClr>
+                <a:srgbClr val="000000"/>
+              </a:buClr>
+              <a:buFont typeface="Arial"/>
+              <a:defRPr sz="1400" b="0" i="0" u="none" strike="noStrike" cap="none">
+                <a:solidFill>
+                  <a:srgbClr val="000000"/>
+                </a:solidFill>
+                <a:latin typeface="Arial"/>
+                <a:ea typeface="Arial"/>
+                <a:cs typeface="Arial"/>
+                <a:sym typeface="Arial"/>
+              </a:defRPr>
+            </a:lvl9pPr>
+          </a:lstStyle>
+          <a:p>
+            <a:r>
+              <a:rPr lang="en-US" b="1" dirty="0">
+                <a:latin typeface="Helvetica Neue" panose="02000503000000020004" pitchFamily="2" charset="0"/>
+                <a:ea typeface="Helvetica Neue" panose="02000503000000020004" pitchFamily="2" charset="0"/>
+                <a:cs typeface="Helvetica Neue" panose="02000503000000020004" pitchFamily="2" charset="0"/>
+              </a:rPr>
+              <a:t>I am a noob</a:t>
+            </a:r>
+          </a:p>
+          <a:p>
+            <a:pPr marL="285750" indent="-285750">
+              <a:buFont typeface="Courier New" panose="02070309020205020404" pitchFamily="49" charset="0"/>
+              <a:buChar char="o"/>
+            </a:pPr>
+            <a:r>
+              <a:rPr lang="en-US" sz="1200" dirty="0">
+                <a:latin typeface="Helvetica Neue" panose="02000503000000020004" pitchFamily="2" charset="0"/>
+                <a:ea typeface="Helvetica Neue" panose="02000503000000020004" pitchFamily="2" charset="0"/>
+                <a:cs typeface="Helvetica Neue" panose="02000503000000020004" pitchFamily="2" charset="0"/>
+              </a:rPr>
+              <a:t>Python Online IDE: </a:t>
+            </a:r>
+            <a:r>
+              <a:rPr lang="en-US" sz="1200" dirty="0">
+                <a:solidFill>
+                  <a:srgbClr val="373E84"/>
+                </a:solidFill>
+                <a:latin typeface="Helvetica Neue" panose="02000503000000020004" pitchFamily="2" charset="0"/>
+                <a:ea typeface="Helvetica Neue" panose="02000503000000020004" pitchFamily="2" charset="0"/>
+                <a:cs typeface="Helvetica Neue" panose="02000503000000020004" pitchFamily="2" charset="0"/>
+                <a:hlinkClick r:id="rId4">
+                  <a:extLst>
+                    <a:ext uri="{A12FA001-AC4F-418D-AE19-62706E023703}">
+                      <ahyp:hlinkClr xmlns:ahyp="http://schemas.microsoft.com/office/drawing/2018/hyperlinkcolor" val="tx"/>
+                    </a:ext>
+                  </a:extLst>
+                </a:hlinkClick>
+              </a:rPr>
+              <a:t>Online Python Interpreter and interactive shell – Replit</a:t>
+            </a:r>
+            <a:endParaRPr lang="en-US" sz="1200" dirty="0">
+              <a:solidFill>
+                <a:srgbClr val="373E84"/>
+              </a:solidFill>
+              <a:latin typeface="Helvetica Neue" panose="02000503000000020004" pitchFamily="2" charset="0"/>
+              <a:ea typeface="Helvetica Neue" panose="02000503000000020004" pitchFamily="2" charset="0"/>
+              <a:cs typeface="Helvetica Neue" panose="02000503000000020004" pitchFamily="2" charset="0"/>
+            </a:endParaRPr>
+          </a:p>
+        </p:txBody>
+      </p:sp>
+      <p:sp>
+        <p:nvSpPr>
+          <p:cNvPr id="10" name="TextBox 9">
+            <a:extLst>
+              <a:ext uri="{FF2B5EF4-FFF2-40B4-BE49-F238E27FC236}">
+                <a16:creationId xmlns:a16="http://schemas.microsoft.com/office/drawing/2014/main" id="{09EC3D19-97E6-1F48-8C01-EF7743E6DF33}"/>
               </a:ext>
             </a:extLst>
           </p:cNvPr>
@@ -8328,8 +6960,8 @@
         </p:nvSpPr>
         <p:spPr>
           <a:xfrm>
-            <a:off x="1490790" y="903837"/>
-            <a:ext cx="6042619" cy="4247317"/>
+            <a:off x="1783568" y="1662158"/>
+            <a:ext cx="4527177" cy="2277547"/>
           </a:xfrm>
           <a:prstGeom prst="rect">
             <a:avLst/>
@@ -8342,34 +6974,489 @@
           </a:bodyPr>
           <a:lstStyle/>
           <a:p>
-            <a:pPr algn="ctr"/>
-            <a:r>
-              <a:rPr lang="en-US" sz="1800" dirty="0"/>
-              <a:t>Python is a language that is full of inside jokes, easter eggs and has its own philosophy so to speak. Explaining all of this in detail is beyond the scope of this lecture but to truly become the best possible programmer you will have to not only explore the technical side of the language but its philosophy as well.</a:t>
-            </a:r>
-          </a:p>
-          <a:p>
-            <a:endParaRPr lang="en-US" sz="1800" dirty="0"/>
-          </a:p>
-          <a:p>
-            <a:pPr algn="ctr"/>
-            <a:r>
-              <a:rPr lang="en-US" sz="1800" dirty="0"/>
-              <a:t>As a beginner you might scoff at all of this, but later on in your programming journey you will realize that just writing code that works isn’t enough. It has to follow a structure and “grammar” much in the same way speaking any natural language does.</a:t>
-            </a:r>
-          </a:p>
-          <a:p>
-            <a:pPr algn="ctr"/>
-            <a:endParaRPr lang="en-US" sz="1800" dirty="0"/>
-          </a:p>
-          <a:p>
-            <a:pPr algn="ctr"/>
-            <a:endParaRPr lang="en-US" sz="1800" dirty="0"/>
-          </a:p>
-          <a:p>
-            <a:r>
-              <a:rPr lang="en-US" sz="1800" dirty="0"/>
-              <a:t>  </a:t>
+            <a:r>
+              <a:rPr lang="en-US" b="1" dirty="0">
+                <a:latin typeface="Helvetica Neue" panose="02000503000000020004" pitchFamily="2" charset="0"/>
+                <a:ea typeface="Helvetica Neue" panose="02000503000000020004" pitchFamily="2" charset="0"/>
+                <a:cs typeface="Helvetica Neue" panose="02000503000000020004" pitchFamily="2" charset="0"/>
+              </a:rPr>
+              <a:t>I am serious</a:t>
+            </a:r>
+          </a:p>
+          <a:p>
+            <a:pPr marL="285750" indent="-285750">
+              <a:buFont typeface="Wingdings" panose="05000000000000000000" pitchFamily="2" charset="2"/>
+              <a:buChar char="Ø"/>
+            </a:pPr>
+            <a:r>
+              <a:rPr lang="en-US" dirty="0">
+                <a:latin typeface="Helvetica Neue" panose="02000503000000020004" pitchFamily="2" charset="0"/>
+                <a:ea typeface="Helvetica Neue" panose="02000503000000020004" pitchFamily="2" charset="0"/>
+                <a:cs typeface="Helvetica Neue" panose="02000503000000020004" pitchFamily="2" charset="0"/>
+              </a:rPr>
+              <a:t>Python Download: </a:t>
+            </a:r>
+            <a:r>
+              <a:rPr lang="en-US" dirty="0">
+                <a:solidFill>
+                  <a:srgbClr val="373E84"/>
+                </a:solidFill>
+                <a:latin typeface="Helvetica Neue" panose="02000503000000020004" pitchFamily="2" charset="0"/>
+                <a:ea typeface="Helvetica Neue" panose="02000503000000020004" pitchFamily="2" charset="0"/>
+                <a:cs typeface="Helvetica Neue" panose="02000503000000020004" pitchFamily="2" charset="0"/>
+                <a:hlinkClick r:id="rId5">
+                  <a:extLst>
+                    <a:ext uri="{A12FA001-AC4F-418D-AE19-62706E023703}">
+                      <ahyp:hlinkClr xmlns:ahyp="http://schemas.microsoft.com/office/drawing/2018/hyperlinkcolor" val="tx"/>
+                    </a:ext>
+                  </a:extLst>
+                </a:hlinkClick>
+              </a:rPr>
+              <a:t>www.python.org</a:t>
+            </a:r>
+            <a:endParaRPr lang="en-US" dirty="0">
+              <a:solidFill>
+                <a:srgbClr val="373E84"/>
+              </a:solidFill>
+              <a:latin typeface="Helvetica Neue" panose="02000503000000020004" pitchFamily="2" charset="0"/>
+              <a:ea typeface="Helvetica Neue" panose="02000503000000020004" pitchFamily="2" charset="0"/>
+              <a:cs typeface="Helvetica Neue" panose="02000503000000020004" pitchFamily="2" charset="0"/>
+            </a:endParaRPr>
+          </a:p>
+          <a:p>
+            <a:pPr marL="285750" indent="-285750">
+              <a:buFont typeface="Wingdings" panose="05000000000000000000" pitchFamily="2" charset="2"/>
+              <a:buChar char="Ø"/>
+            </a:pPr>
+            <a:endParaRPr lang="en-US" b="1" dirty="0">
+              <a:latin typeface="Helvetica Neue" panose="02000503000000020004" pitchFamily="2" charset="0"/>
+              <a:ea typeface="Helvetica Neue" panose="02000503000000020004" pitchFamily="2" charset="0"/>
+              <a:cs typeface="Helvetica Neue" panose="02000503000000020004" pitchFamily="2" charset="0"/>
+            </a:endParaRPr>
+          </a:p>
+          <a:p>
+            <a:pPr marL="285750" indent="-285750">
+              <a:buFont typeface="Courier New" panose="02070309020205020404" pitchFamily="49" charset="0"/>
+              <a:buChar char="o"/>
+            </a:pPr>
+            <a:r>
+              <a:rPr lang="en-US" sz="1200" dirty="0">
+                <a:latin typeface="Helvetica Neue" panose="02000503000000020004" pitchFamily="2" charset="0"/>
+                <a:ea typeface="Helvetica Neue" panose="02000503000000020004" pitchFamily="2" charset="0"/>
+                <a:cs typeface="Helvetica Neue" panose="02000503000000020004" pitchFamily="2" charset="0"/>
+              </a:rPr>
+              <a:t>PyCharm by Jet Brains: </a:t>
+            </a:r>
+            <a:r>
+              <a:rPr lang="en-US" sz="1200" dirty="0">
+                <a:solidFill>
+                  <a:srgbClr val="373E84"/>
+                </a:solidFill>
+                <a:latin typeface="Helvetica Neue" panose="02000503000000020004" pitchFamily="2" charset="0"/>
+                <a:ea typeface="Helvetica Neue" panose="02000503000000020004" pitchFamily="2" charset="0"/>
+                <a:cs typeface="Helvetica Neue" panose="02000503000000020004" pitchFamily="2" charset="0"/>
+                <a:hlinkClick r:id="rId6">
+                  <a:extLst>
+                    <a:ext uri="{A12FA001-AC4F-418D-AE19-62706E023703}">
+                      <ahyp:hlinkClr xmlns:ahyp="http://schemas.microsoft.com/office/drawing/2018/hyperlinkcolor" val="tx"/>
+                    </a:ext>
+                  </a:extLst>
+                </a:hlinkClick>
+              </a:rPr>
+              <a:t>PyCharm: the Python IDE for Professional Developers by JetBrains</a:t>
+            </a:r>
+            <a:endParaRPr lang="en-US" sz="1200" dirty="0">
+              <a:solidFill>
+                <a:srgbClr val="373E84"/>
+              </a:solidFill>
+              <a:latin typeface="Helvetica Neue" panose="02000503000000020004" pitchFamily="2" charset="0"/>
+              <a:ea typeface="Helvetica Neue" panose="02000503000000020004" pitchFamily="2" charset="0"/>
+              <a:cs typeface="Helvetica Neue" panose="02000503000000020004" pitchFamily="2" charset="0"/>
+            </a:endParaRPr>
+          </a:p>
+          <a:p>
+            <a:pPr marL="285750" lvl="1" indent="-285750">
+              <a:buFont typeface="Courier New" panose="02070309020205020404" pitchFamily="49" charset="0"/>
+              <a:buChar char="o"/>
+            </a:pPr>
+            <a:r>
+              <a:rPr lang="en-US" sz="1200" dirty="0">
+                <a:latin typeface="Helvetica Neue" panose="02000503000000020004" pitchFamily="2" charset="0"/>
+                <a:ea typeface="Helvetica Neue" panose="02000503000000020004" pitchFamily="2" charset="0"/>
+                <a:cs typeface="Helvetica Neue" panose="02000503000000020004" pitchFamily="2" charset="0"/>
+              </a:rPr>
+              <a:t>Visual studio code: </a:t>
+            </a:r>
+            <a:r>
+              <a:rPr lang="it-IT" sz="1200" dirty="0">
+                <a:solidFill>
+                  <a:srgbClr val="373E84"/>
+                </a:solidFill>
+                <a:latin typeface="Helvetica Neue" panose="02000503000000020004" pitchFamily="2" charset="0"/>
+                <a:ea typeface="Helvetica Neue" panose="02000503000000020004" pitchFamily="2" charset="0"/>
+                <a:cs typeface="Helvetica Neue" panose="02000503000000020004" pitchFamily="2" charset="0"/>
+                <a:hlinkClick r:id="rId7">
+                  <a:extLst>
+                    <a:ext uri="{A12FA001-AC4F-418D-AE19-62706E023703}">
+                      <ahyp:hlinkClr xmlns:ahyp="http://schemas.microsoft.com/office/drawing/2018/hyperlinkcolor" val="tx"/>
+                    </a:ext>
+                  </a:extLst>
+                </a:hlinkClick>
+              </a:rPr>
+              <a:t>Visual Studio Code - Code Editing. Redefined</a:t>
+            </a:r>
+            <a:endParaRPr lang="en-US" sz="1200" dirty="0">
+              <a:solidFill>
+                <a:srgbClr val="373E84"/>
+              </a:solidFill>
+              <a:latin typeface="Helvetica Neue" panose="02000503000000020004" pitchFamily="2" charset="0"/>
+              <a:ea typeface="Helvetica Neue" panose="02000503000000020004" pitchFamily="2" charset="0"/>
+              <a:cs typeface="Helvetica Neue" panose="02000503000000020004" pitchFamily="2" charset="0"/>
+            </a:endParaRPr>
+          </a:p>
+          <a:p>
+            <a:pPr marL="285750" lvl="1" indent="-285750">
+              <a:buFont typeface="Courier New" panose="02070309020205020404" pitchFamily="49" charset="0"/>
+              <a:buChar char="o"/>
+            </a:pPr>
+            <a:r>
+              <a:rPr lang="en-US" sz="1200" dirty="0">
+                <a:latin typeface="Helvetica Neue" panose="02000503000000020004" pitchFamily="2" charset="0"/>
+                <a:ea typeface="Helvetica Neue" panose="02000503000000020004" pitchFamily="2" charset="0"/>
+                <a:cs typeface="Helvetica Neue" panose="02000503000000020004" pitchFamily="2" charset="0"/>
+              </a:rPr>
+              <a:t>Notepad++ (Windows only): </a:t>
+            </a:r>
+            <a:r>
+              <a:rPr lang="en-US" sz="1200" dirty="0">
+                <a:solidFill>
+                  <a:srgbClr val="373E84"/>
+                </a:solidFill>
+                <a:latin typeface="Helvetica Neue" panose="02000503000000020004" pitchFamily="2" charset="0"/>
+                <a:ea typeface="Helvetica Neue" panose="02000503000000020004" pitchFamily="2" charset="0"/>
+                <a:cs typeface="Helvetica Neue" panose="02000503000000020004" pitchFamily="2" charset="0"/>
+                <a:hlinkClick r:id="rId8">
+                  <a:extLst>
+                    <a:ext uri="{A12FA001-AC4F-418D-AE19-62706E023703}">
+                      <ahyp:hlinkClr xmlns:ahyp="http://schemas.microsoft.com/office/drawing/2018/hyperlinkcolor" val="tx"/>
+                    </a:ext>
+                  </a:extLst>
+                </a:hlinkClick>
+              </a:rPr>
+              <a:t>Downloads | Notepad++ (notepad-plus-plus.org)</a:t>
+            </a:r>
+            <a:endParaRPr lang="en-US" sz="1200" dirty="0">
+              <a:solidFill>
+                <a:srgbClr val="373E84"/>
+              </a:solidFill>
+              <a:latin typeface="Helvetica Neue" panose="02000503000000020004" pitchFamily="2" charset="0"/>
+              <a:ea typeface="Helvetica Neue" panose="02000503000000020004" pitchFamily="2" charset="0"/>
+              <a:cs typeface="Helvetica Neue" panose="02000503000000020004" pitchFamily="2" charset="0"/>
+            </a:endParaRPr>
+          </a:p>
+          <a:p>
+            <a:pPr marL="285750" lvl="1" indent="-285750">
+              <a:buFont typeface="Courier New" panose="02070309020205020404" pitchFamily="49" charset="0"/>
+              <a:buChar char="o"/>
+            </a:pPr>
+            <a:endParaRPr lang="en-US" dirty="0">
+              <a:latin typeface="Helvetica Neue" panose="02000503000000020004" pitchFamily="2" charset="0"/>
+              <a:ea typeface="Helvetica Neue" panose="02000503000000020004" pitchFamily="2" charset="0"/>
+              <a:cs typeface="Helvetica Neue" panose="02000503000000020004" pitchFamily="2" charset="0"/>
+            </a:endParaRPr>
+          </a:p>
+          <a:p>
+            <a:endParaRPr lang="en-AE" dirty="0"/>
+          </a:p>
+        </p:txBody>
+      </p:sp>
+      <p:sp>
+        <p:nvSpPr>
+          <p:cNvPr id="8" name="Content Placeholder 2">
+            <a:extLst>
+              <a:ext uri="{FF2B5EF4-FFF2-40B4-BE49-F238E27FC236}">
+                <a16:creationId xmlns:a16="http://schemas.microsoft.com/office/drawing/2014/main" id="{02AC4993-0C61-4ACE-9290-32E89C800D27}"/>
+              </a:ext>
+            </a:extLst>
+          </p:cNvPr>
+          <p:cNvSpPr txBox="1">
+            <a:spLocks/>
+          </p:cNvSpPr>
+          <p:nvPr/>
+        </p:nvSpPr>
+        <p:spPr>
+          <a:xfrm>
+            <a:off x="1783568" y="3637034"/>
+            <a:ext cx="6104964" cy="584776"/>
+          </a:xfrm>
+          <a:prstGeom prst="rect">
+            <a:avLst/>
+          </a:prstGeom>
+        </p:spPr>
+        <p:txBody>
+          <a:bodyPr/>
+          <a:lstStyle>
+            <a:defPPr marR="0" lvl="0" algn="l" rtl="0">
+              <a:lnSpc>
+                <a:spcPct val="100000"/>
+              </a:lnSpc>
+              <a:spcBef>
+                <a:spcPts val="0"/>
+              </a:spcBef>
+              <a:spcAft>
+                <a:spcPts val="0"/>
+              </a:spcAft>
+            </a:defPPr>
+            <a:lvl1pPr marR="0" lvl="0" algn="l" rtl="0">
+              <a:lnSpc>
+                <a:spcPct val="100000"/>
+              </a:lnSpc>
+              <a:spcBef>
+                <a:spcPts val="0"/>
+              </a:spcBef>
+              <a:spcAft>
+                <a:spcPts val="0"/>
+              </a:spcAft>
+              <a:buClr>
+                <a:srgbClr val="000000"/>
+              </a:buClr>
+              <a:buFont typeface="Arial"/>
+              <a:defRPr sz="1400" b="0" i="0" u="none" strike="noStrike" cap="none">
+                <a:solidFill>
+                  <a:srgbClr val="000000"/>
+                </a:solidFill>
+                <a:latin typeface="Arial"/>
+                <a:ea typeface="Arial"/>
+                <a:cs typeface="Arial"/>
+                <a:sym typeface="Arial"/>
+              </a:defRPr>
+            </a:lvl1pPr>
+            <a:lvl2pPr marR="0" lvl="1" algn="l" rtl="0">
+              <a:lnSpc>
+                <a:spcPct val="100000"/>
+              </a:lnSpc>
+              <a:spcBef>
+                <a:spcPts val="0"/>
+              </a:spcBef>
+              <a:spcAft>
+                <a:spcPts val="0"/>
+              </a:spcAft>
+              <a:buClr>
+                <a:srgbClr val="000000"/>
+              </a:buClr>
+              <a:buFont typeface="Arial"/>
+              <a:defRPr sz="1400" b="0" i="0" u="none" strike="noStrike" cap="none">
+                <a:solidFill>
+                  <a:srgbClr val="000000"/>
+                </a:solidFill>
+                <a:latin typeface="Arial"/>
+                <a:ea typeface="Arial"/>
+                <a:cs typeface="Arial"/>
+                <a:sym typeface="Arial"/>
+              </a:defRPr>
+            </a:lvl2pPr>
+            <a:lvl3pPr marR="0" lvl="2" algn="l" rtl="0">
+              <a:lnSpc>
+                <a:spcPct val="100000"/>
+              </a:lnSpc>
+              <a:spcBef>
+                <a:spcPts val="0"/>
+              </a:spcBef>
+              <a:spcAft>
+                <a:spcPts val="0"/>
+              </a:spcAft>
+              <a:buClr>
+                <a:srgbClr val="000000"/>
+              </a:buClr>
+              <a:buFont typeface="Arial"/>
+              <a:defRPr sz="1400" b="0" i="0" u="none" strike="noStrike" cap="none">
+                <a:solidFill>
+                  <a:srgbClr val="000000"/>
+                </a:solidFill>
+                <a:latin typeface="Arial"/>
+                <a:ea typeface="Arial"/>
+                <a:cs typeface="Arial"/>
+                <a:sym typeface="Arial"/>
+              </a:defRPr>
+            </a:lvl3pPr>
+            <a:lvl4pPr marR="0" lvl="3" algn="l" rtl="0">
+              <a:lnSpc>
+                <a:spcPct val="100000"/>
+              </a:lnSpc>
+              <a:spcBef>
+                <a:spcPts val="0"/>
+              </a:spcBef>
+              <a:spcAft>
+                <a:spcPts val="0"/>
+              </a:spcAft>
+              <a:buClr>
+                <a:srgbClr val="000000"/>
+              </a:buClr>
+              <a:buFont typeface="Arial"/>
+              <a:defRPr sz="1400" b="0" i="0" u="none" strike="noStrike" cap="none">
+                <a:solidFill>
+                  <a:srgbClr val="000000"/>
+                </a:solidFill>
+                <a:latin typeface="Arial"/>
+                <a:ea typeface="Arial"/>
+                <a:cs typeface="Arial"/>
+                <a:sym typeface="Arial"/>
+              </a:defRPr>
+            </a:lvl4pPr>
+            <a:lvl5pPr marR="0" lvl="4" algn="l" rtl="0">
+              <a:lnSpc>
+                <a:spcPct val="100000"/>
+              </a:lnSpc>
+              <a:spcBef>
+                <a:spcPts val="0"/>
+              </a:spcBef>
+              <a:spcAft>
+                <a:spcPts val="0"/>
+              </a:spcAft>
+              <a:buClr>
+                <a:srgbClr val="000000"/>
+              </a:buClr>
+              <a:buFont typeface="Arial"/>
+              <a:defRPr sz="1400" b="0" i="0" u="none" strike="noStrike" cap="none">
+                <a:solidFill>
+                  <a:srgbClr val="000000"/>
+                </a:solidFill>
+                <a:latin typeface="Arial"/>
+                <a:ea typeface="Arial"/>
+                <a:cs typeface="Arial"/>
+                <a:sym typeface="Arial"/>
+              </a:defRPr>
+            </a:lvl5pPr>
+            <a:lvl6pPr marR="0" lvl="5" algn="l" rtl="0">
+              <a:lnSpc>
+                <a:spcPct val="100000"/>
+              </a:lnSpc>
+              <a:spcBef>
+                <a:spcPts val="0"/>
+              </a:spcBef>
+              <a:spcAft>
+                <a:spcPts val="0"/>
+              </a:spcAft>
+              <a:buClr>
+                <a:srgbClr val="000000"/>
+              </a:buClr>
+              <a:buFont typeface="Arial"/>
+              <a:defRPr sz="1400" b="0" i="0" u="none" strike="noStrike" cap="none">
+                <a:solidFill>
+                  <a:srgbClr val="000000"/>
+                </a:solidFill>
+                <a:latin typeface="Arial"/>
+                <a:ea typeface="Arial"/>
+                <a:cs typeface="Arial"/>
+                <a:sym typeface="Arial"/>
+              </a:defRPr>
+            </a:lvl6pPr>
+            <a:lvl7pPr marR="0" lvl="6" algn="l" rtl="0">
+              <a:lnSpc>
+                <a:spcPct val="100000"/>
+              </a:lnSpc>
+              <a:spcBef>
+                <a:spcPts val="0"/>
+              </a:spcBef>
+              <a:spcAft>
+                <a:spcPts val="0"/>
+              </a:spcAft>
+              <a:buClr>
+                <a:srgbClr val="000000"/>
+              </a:buClr>
+              <a:buFont typeface="Arial"/>
+              <a:defRPr sz="1400" b="0" i="0" u="none" strike="noStrike" cap="none">
+                <a:solidFill>
+                  <a:srgbClr val="000000"/>
+                </a:solidFill>
+                <a:latin typeface="Arial"/>
+                <a:ea typeface="Arial"/>
+                <a:cs typeface="Arial"/>
+                <a:sym typeface="Arial"/>
+              </a:defRPr>
+            </a:lvl7pPr>
+            <a:lvl8pPr marR="0" lvl="7" algn="l" rtl="0">
+              <a:lnSpc>
+                <a:spcPct val="100000"/>
+              </a:lnSpc>
+              <a:spcBef>
+                <a:spcPts val="0"/>
+              </a:spcBef>
+              <a:spcAft>
+                <a:spcPts val="0"/>
+              </a:spcAft>
+              <a:buClr>
+                <a:srgbClr val="000000"/>
+              </a:buClr>
+              <a:buFont typeface="Arial"/>
+              <a:defRPr sz="1400" b="0" i="0" u="none" strike="noStrike" cap="none">
+                <a:solidFill>
+                  <a:srgbClr val="000000"/>
+                </a:solidFill>
+                <a:latin typeface="Arial"/>
+                <a:ea typeface="Arial"/>
+                <a:cs typeface="Arial"/>
+                <a:sym typeface="Arial"/>
+              </a:defRPr>
+            </a:lvl8pPr>
+            <a:lvl9pPr marR="0" lvl="8" algn="l" rtl="0">
+              <a:lnSpc>
+                <a:spcPct val="100000"/>
+              </a:lnSpc>
+              <a:spcBef>
+                <a:spcPts val="0"/>
+              </a:spcBef>
+              <a:spcAft>
+                <a:spcPts val="0"/>
+              </a:spcAft>
+              <a:buClr>
+                <a:srgbClr val="000000"/>
+              </a:buClr>
+              <a:buFont typeface="Arial"/>
+              <a:defRPr sz="1400" b="0" i="0" u="none" strike="noStrike" cap="none">
+                <a:solidFill>
+                  <a:srgbClr val="000000"/>
+                </a:solidFill>
+                <a:latin typeface="Arial"/>
+                <a:ea typeface="Arial"/>
+                <a:cs typeface="Arial"/>
+                <a:sym typeface="Arial"/>
+              </a:defRPr>
+            </a:lvl9pPr>
+          </a:lstStyle>
+          <a:p>
+            <a:r>
+              <a:rPr lang="en-US" b="1" dirty="0">
+                <a:latin typeface="Helvetica Neue" panose="02000503000000020004" pitchFamily="2" charset="0"/>
+                <a:ea typeface="Helvetica Neue" panose="02000503000000020004" pitchFamily="2" charset="0"/>
+                <a:cs typeface="Helvetica Neue" panose="02000503000000020004" pitchFamily="2" charset="0"/>
+              </a:rPr>
+              <a:t>I am serious (but lazy, or really like data science)</a:t>
+            </a:r>
+          </a:p>
+          <a:p>
+            <a:pPr marL="285750" indent="-285750">
+              <a:buFont typeface="Courier New" panose="02070309020205020404" pitchFamily="49" charset="0"/>
+              <a:buChar char="o"/>
+            </a:pPr>
+            <a:r>
+              <a:rPr lang="en-US" sz="1200" dirty="0">
+                <a:latin typeface="Helvetica Neue" panose="02000503000000020004" pitchFamily="2" charset="0"/>
+                <a:ea typeface="Helvetica Neue" panose="02000503000000020004" pitchFamily="2" charset="0"/>
+                <a:cs typeface="Helvetica Neue" panose="02000503000000020004" pitchFamily="2" charset="0"/>
+              </a:rPr>
+              <a:t>Anaconda : </a:t>
+            </a:r>
+            <a:r>
+              <a:rPr lang="en-US" sz="1200" u="sng" dirty="0">
+                <a:solidFill>
+                  <a:srgbClr val="373E84"/>
+                </a:solidFill>
+                <a:latin typeface="Helvetica Neue" panose="02000503000000020004" pitchFamily="2" charset="0"/>
+                <a:ea typeface="Helvetica Neue" panose="02000503000000020004" pitchFamily="2" charset="0"/>
+                <a:cs typeface="Helvetica Neue" panose="02000503000000020004" pitchFamily="2" charset="0"/>
+              </a:rPr>
+              <a:t>Anaconda</a:t>
             </a:r>
           </a:p>
         </p:txBody>
@@ -8377,7 +7464,7 @@
     </p:spTree>
     <p:extLst>
       <p:ext uri="{BB962C8B-B14F-4D97-AF65-F5344CB8AC3E}">
-        <p14:creationId xmlns:p14="http://schemas.microsoft.com/office/powerpoint/2010/main" val="2642094051"/>
+        <p14:creationId xmlns:p14="http://schemas.microsoft.com/office/powerpoint/2010/main" val="2413648658"/>
       </p:ext>
     </p:extLst>
   </p:cSld>
@@ -8390,395 +7477,6 @@
 <file path=ppt/slides/slide6.xml><?xml version="1.0" encoding="utf-8"?>
 <p:sld xmlns:a="http://schemas.openxmlformats.org/drawingml/2006/main" xmlns:r="http://schemas.openxmlformats.org/officeDocument/2006/relationships" xmlns:p="http://schemas.openxmlformats.org/presentationml/2006/main">
   <p:cSld>
-    <p:bg>
-      <p:bgPr>
-        <a:solidFill>
-          <a:schemeClr val="accent3">
-            <a:lumMod val="25000"/>
-            <a:alpha val="98000"/>
-          </a:schemeClr>
-        </a:solidFill>
-        <a:effectLst/>
-      </p:bgPr>
-    </p:bg>
-    <p:spTree>
-      <p:nvGrpSpPr>
-        <p:cNvPr id="1" name=""/>
-        <p:cNvGrpSpPr/>
-        <p:nvPr/>
-      </p:nvGrpSpPr>
-      <p:grpSpPr>
-        <a:xfrm>
-          <a:off x="0" y="0"/>
-          <a:ext cx="0" cy="0"/>
-          <a:chOff x="0" y="0"/>
-          <a:chExt cx="0" cy="0"/>
-        </a:xfrm>
-      </p:grpSpPr>
-      <p:sp>
-        <p:nvSpPr>
-          <p:cNvPr id="3" name="TextBox 2">
-            <a:extLst>
-              <a:ext uri="{FF2B5EF4-FFF2-40B4-BE49-F238E27FC236}">
-                <a16:creationId xmlns:a16="http://schemas.microsoft.com/office/drawing/2014/main" id="{66E67349-A077-3E45-872E-94A9DD2D8EFC}"/>
-              </a:ext>
-            </a:extLst>
-          </p:cNvPr>
-          <p:cNvSpPr txBox="1"/>
-          <p:nvPr/>
-        </p:nvSpPr>
-        <p:spPr>
-          <a:xfrm>
-            <a:off x="2277035" y="152809"/>
-            <a:ext cx="4123765" cy="1077218"/>
-          </a:xfrm>
-          <a:prstGeom prst="rect">
-            <a:avLst/>
-          </a:prstGeom>
-          <a:noFill/>
-        </p:spPr>
-        <p:txBody>
-          <a:bodyPr wrap="square" rtlCol="0">
-            <a:spAutoFit/>
-          </a:bodyPr>
-          <a:lstStyle/>
-          <a:p>
-            <a:pPr algn="ctr"/>
-            <a:r>
-              <a:rPr lang="en-AE" sz="3200" b="1" dirty="0">
-                <a:solidFill>
-                  <a:srgbClr val="373E84"/>
-                </a:solidFill>
-                <a:latin typeface="Courier New" panose="02070309020205020404" pitchFamily="49" charset="0"/>
-                <a:cs typeface="Courier New" panose="02070309020205020404" pitchFamily="49" charset="0"/>
-              </a:rPr>
-              <a:t>Why not use Python?</a:t>
-            </a:r>
-          </a:p>
-        </p:txBody>
-      </p:sp>
-      <p:pic>
-        <p:nvPicPr>
-          <p:cNvPr id="4" name="Graphic 3" descr="Turtle">
-            <a:extLst>
-              <a:ext uri="{FF2B5EF4-FFF2-40B4-BE49-F238E27FC236}">
-                <a16:creationId xmlns:a16="http://schemas.microsoft.com/office/drawing/2014/main" id="{6022CDF6-9BA8-48A9-AB03-880637BC7D6D}"/>
-              </a:ext>
-            </a:extLst>
-          </p:cNvPr>
-          <p:cNvPicPr>
-            <a:picLocks noChangeAspect="1"/>
-          </p:cNvPicPr>
-          <p:nvPr/>
-        </p:nvPicPr>
-        <p:blipFill>
-          <a:blip r:embed="rId3">
-            <a:extLst>
-              <a:ext uri="{96DAC541-7B7A-43D3-8B79-37D633B846F1}">
-                <asvg:svgBlip xmlns:asvg="http://schemas.microsoft.com/office/drawing/2016/SVG/main" r:embed="rId4"/>
-              </a:ext>
-            </a:extLst>
-          </a:blip>
-          <a:stretch>
-            <a:fillRect/>
-          </a:stretch>
-        </p:blipFill>
-        <p:spPr>
-          <a:xfrm>
-            <a:off x="2001982" y="1245613"/>
-            <a:ext cx="914400" cy="914400"/>
-          </a:xfrm>
-          <a:prstGeom prst="rect">
-            <a:avLst/>
-          </a:prstGeom>
-        </p:spPr>
-      </p:pic>
-      <p:pic>
-        <p:nvPicPr>
-          <p:cNvPr id="7" name="Graphic 6" descr="Maze">
-            <a:extLst>
-              <a:ext uri="{FF2B5EF4-FFF2-40B4-BE49-F238E27FC236}">
-                <a16:creationId xmlns:a16="http://schemas.microsoft.com/office/drawing/2014/main" id="{CDDF9390-889C-4501-BF14-DDC82AEE99F8}"/>
-              </a:ext>
-            </a:extLst>
-          </p:cNvPr>
-          <p:cNvPicPr>
-            <a:picLocks noChangeAspect="1"/>
-          </p:cNvPicPr>
-          <p:nvPr/>
-        </p:nvPicPr>
-        <p:blipFill>
-          <a:blip r:embed="rId5">
-            <a:extLst>
-              <a:ext uri="{96DAC541-7B7A-43D3-8B79-37D633B846F1}">
-                <asvg:svgBlip xmlns:asvg="http://schemas.microsoft.com/office/drawing/2016/SVG/main" r:embed="rId6"/>
-              </a:ext>
-            </a:extLst>
-          </a:blip>
-          <a:stretch>
-            <a:fillRect/>
-          </a:stretch>
-        </p:blipFill>
-        <p:spPr>
-          <a:xfrm>
-            <a:off x="3881717" y="1245613"/>
-            <a:ext cx="914400" cy="914400"/>
-          </a:xfrm>
-          <a:prstGeom prst="rect">
-            <a:avLst/>
-          </a:prstGeom>
-        </p:spPr>
-      </p:pic>
-      <p:sp>
-        <p:nvSpPr>
-          <p:cNvPr id="9" name="TextBox 8">
-            <a:extLst>
-              <a:ext uri="{FF2B5EF4-FFF2-40B4-BE49-F238E27FC236}">
-                <a16:creationId xmlns:a16="http://schemas.microsoft.com/office/drawing/2014/main" id="{06BFEE6C-6E28-4A95-B23C-88FAE5990F68}"/>
-              </a:ext>
-            </a:extLst>
-          </p:cNvPr>
-          <p:cNvSpPr txBox="1"/>
-          <p:nvPr/>
-        </p:nvSpPr>
-        <p:spPr>
-          <a:xfrm>
-            <a:off x="1524000" y="2060864"/>
-            <a:ext cx="1676400" cy="1600438"/>
-          </a:xfrm>
-          <a:prstGeom prst="rect">
-            <a:avLst/>
-          </a:prstGeom>
-          <a:noFill/>
-        </p:spPr>
-        <p:txBody>
-          <a:bodyPr wrap="square" rtlCol="0">
-            <a:spAutoFit/>
-          </a:bodyPr>
-          <a:lstStyle/>
-          <a:p>
-            <a:pPr algn="ctr"/>
-            <a:r>
-              <a:rPr lang="en-US" b="1" dirty="0"/>
-              <a:t>Slow</a:t>
-            </a:r>
-          </a:p>
-          <a:p>
-            <a:pPr algn="ctr"/>
-            <a:endParaRPr lang="en-US" dirty="0"/>
-          </a:p>
-          <a:p>
-            <a:pPr algn="ctr"/>
-            <a:r>
-              <a:rPr lang="en-US" dirty="0"/>
-              <a:t>If you are programming a rockets embedded systems, its best you stick to C.</a:t>
-            </a:r>
-          </a:p>
-        </p:txBody>
-      </p:sp>
-      <p:sp>
-        <p:nvSpPr>
-          <p:cNvPr id="10" name="TextBox 9">
-            <a:extLst>
-              <a:ext uri="{FF2B5EF4-FFF2-40B4-BE49-F238E27FC236}">
-                <a16:creationId xmlns:a16="http://schemas.microsoft.com/office/drawing/2014/main" id="{0717045F-E7D5-4807-8F12-47682FFFDAA7}"/>
-              </a:ext>
-            </a:extLst>
-          </p:cNvPr>
-          <p:cNvSpPr txBox="1"/>
-          <p:nvPr/>
-        </p:nvSpPr>
-        <p:spPr>
-          <a:xfrm>
-            <a:off x="3525982" y="2089446"/>
-            <a:ext cx="1676400" cy="2462213"/>
-          </a:xfrm>
-          <a:prstGeom prst="rect">
-            <a:avLst/>
-          </a:prstGeom>
-          <a:noFill/>
-        </p:spPr>
-        <p:txBody>
-          <a:bodyPr wrap="square" rtlCol="0">
-            <a:spAutoFit/>
-          </a:bodyPr>
-          <a:lstStyle/>
-          <a:p>
-            <a:pPr algn="ctr"/>
-            <a:r>
-              <a:rPr lang="en-US" b="1" dirty="0"/>
-              <a:t>Complicated</a:t>
-            </a:r>
-          </a:p>
-          <a:p>
-            <a:pPr algn="ctr"/>
-            <a:endParaRPr lang="en-US" dirty="0"/>
-          </a:p>
-          <a:p>
-            <a:pPr algn="ctr"/>
-            <a:r>
-              <a:rPr lang="en-US" dirty="0"/>
-              <a:t>Given how simple it is, you will need good programming fundamentals to not get ahead of yourself and create the dreaded spaghetti codebase.</a:t>
-            </a:r>
-          </a:p>
-        </p:txBody>
-      </p:sp>
-      <p:pic>
-        <p:nvPicPr>
-          <p:cNvPr id="11" name="Graphic 10" descr="Doctor">
-            <a:extLst>
-              <a:ext uri="{FF2B5EF4-FFF2-40B4-BE49-F238E27FC236}">
-                <a16:creationId xmlns:a16="http://schemas.microsoft.com/office/drawing/2014/main" id="{2D41E15C-BD10-4BB8-9C88-40A621887416}"/>
-              </a:ext>
-            </a:extLst>
-          </p:cNvPr>
-          <p:cNvPicPr>
-            <a:picLocks noChangeAspect="1"/>
-          </p:cNvPicPr>
-          <p:nvPr/>
-        </p:nvPicPr>
-        <p:blipFill>
-          <a:blip r:embed="rId7">
-            <a:extLst>
-              <a:ext uri="{96DAC541-7B7A-43D3-8B79-37D633B846F1}">
-                <asvg:svgBlip xmlns:asvg="http://schemas.microsoft.com/office/drawing/2016/SVG/main" r:embed="rId8"/>
-              </a:ext>
-            </a:extLst>
-          </a:blip>
-          <a:stretch>
-            <a:fillRect/>
-          </a:stretch>
-        </p:blipFill>
-        <p:spPr>
-          <a:xfrm>
-            <a:off x="6142452" y="1245613"/>
-            <a:ext cx="914400" cy="914400"/>
-          </a:xfrm>
-          <a:prstGeom prst="rect">
-            <a:avLst/>
-          </a:prstGeom>
-        </p:spPr>
-      </p:pic>
-      <p:sp>
-        <p:nvSpPr>
-          <p:cNvPr id="13" name="TextBox 12">
-            <a:extLst>
-              <a:ext uri="{FF2B5EF4-FFF2-40B4-BE49-F238E27FC236}">
-                <a16:creationId xmlns:a16="http://schemas.microsoft.com/office/drawing/2014/main" id="{E667D943-A5A3-4078-B9EB-DF3F1B17D54A}"/>
-              </a:ext>
-            </a:extLst>
-          </p:cNvPr>
-          <p:cNvSpPr txBox="1"/>
-          <p:nvPr/>
-        </p:nvSpPr>
-        <p:spPr>
-          <a:xfrm>
-            <a:off x="5761452" y="2060864"/>
-            <a:ext cx="1676400" cy="2677656"/>
-          </a:xfrm>
-          <a:prstGeom prst="rect">
-            <a:avLst/>
-          </a:prstGeom>
-          <a:noFill/>
-        </p:spPr>
-        <p:txBody>
-          <a:bodyPr wrap="square" rtlCol="0">
-            <a:spAutoFit/>
-          </a:bodyPr>
-          <a:lstStyle/>
-          <a:p>
-            <a:pPr algn="ctr"/>
-            <a:r>
-              <a:rPr lang="en-US" b="1" dirty="0"/>
-              <a:t>Master of none</a:t>
-            </a:r>
-          </a:p>
-          <a:p>
-            <a:pPr algn="ctr"/>
-            <a:endParaRPr lang="en-US" b="1" dirty="0"/>
-          </a:p>
-          <a:p>
-            <a:pPr algn="ctr"/>
-            <a:r>
-              <a:rPr lang="en-US" dirty="0"/>
-              <a:t>“Python is the second best programming language for everything.”</a:t>
-            </a:r>
-          </a:p>
-          <a:p>
-            <a:pPr algn="ctr"/>
-            <a:endParaRPr lang="en-US" dirty="0"/>
-          </a:p>
-          <a:p>
-            <a:pPr algn="ctr"/>
-            <a:r>
-              <a:rPr lang="en-US" dirty="0"/>
-              <a:t>Except ML maybe?</a:t>
-            </a:r>
-          </a:p>
-          <a:p>
-            <a:pPr algn="ctr"/>
-            <a:endParaRPr lang="en-US" dirty="0"/>
-          </a:p>
-          <a:p>
-            <a:pPr algn="ctr"/>
-            <a:endParaRPr lang="en-US" dirty="0"/>
-          </a:p>
-        </p:txBody>
-      </p:sp>
-      <p:pic>
-        <p:nvPicPr>
-          <p:cNvPr id="8" name="Picture 7">
-            <a:extLst>
-              <a:ext uri="{FF2B5EF4-FFF2-40B4-BE49-F238E27FC236}">
-                <a16:creationId xmlns:a16="http://schemas.microsoft.com/office/drawing/2014/main" id="{2A6D43A0-2D31-4969-965E-317099ADC50B}"/>
-              </a:ext>
-            </a:extLst>
-          </p:cNvPr>
-          <p:cNvPicPr>
-            <a:picLocks noChangeAspect="1"/>
-          </p:cNvPicPr>
-          <p:nvPr/>
-        </p:nvPicPr>
-        <p:blipFill>
-          <a:blip r:embed="rId9"/>
-          <a:stretch>
-            <a:fillRect/>
-          </a:stretch>
-        </p:blipFill>
-        <p:spPr>
-          <a:xfrm>
-            <a:off x="310579" y="0"/>
-            <a:ext cx="8522842" cy="5143500"/>
-          </a:xfrm>
-          <a:prstGeom prst="rect">
-            <a:avLst/>
-          </a:prstGeom>
-        </p:spPr>
-      </p:pic>
-    </p:spTree>
-    <p:extLst>
-      <p:ext uri="{BB962C8B-B14F-4D97-AF65-F5344CB8AC3E}">
-        <p14:creationId xmlns:p14="http://schemas.microsoft.com/office/powerpoint/2010/main" val="182675600"/>
-      </p:ext>
-    </p:extLst>
-  </p:cSld>
-  <p:clrMapOvr>
-    <a:masterClrMapping/>
-  </p:clrMapOvr>
-</p:sld>
-</file>
-
-<file path=ppt/slides/slide7.xml><?xml version="1.0" encoding="utf-8"?>
-<p:sld xmlns:a="http://schemas.openxmlformats.org/drawingml/2006/main" xmlns:r="http://schemas.openxmlformats.org/officeDocument/2006/relationships" xmlns:p="http://schemas.openxmlformats.org/presentationml/2006/main">
-  <p:cSld>
-    <p:bg>
-      <p:bgPr>
-        <a:solidFill>
-          <a:srgbClr val="000000"/>
-        </a:solidFill>
-        <a:effectLst/>
-      </p:bgPr>
-    </p:bg>
     <p:spTree>
       <p:nvGrpSpPr>
         <p:cNvPr id="1" name=""/>
@@ -8795,100 +7493,327 @@
       </p:grpSpPr>
       <p:pic>
         <p:nvPicPr>
-          <p:cNvPr id="3" name="Picture 2">
+          <p:cNvPr id="2" name="Picture 8" descr="Ribes Tech srl Employees, Location, Careers | LinkedIn">
             <a:extLst>
               <a:ext uri="{FF2B5EF4-FFF2-40B4-BE49-F238E27FC236}">
-                <a16:creationId xmlns:a16="http://schemas.microsoft.com/office/drawing/2014/main" id="{720E0673-46D2-4981-8494-3DCB148B8189}"/>
+                <a16:creationId xmlns:a16="http://schemas.microsoft.com/office/drawing/2014/main" id="{31274AB0-A683-CE4B-AFDE-EB7AAC83F4AD}"/>
               </a:ext>
             </a:extLst>
           </p:cNvPr>
           <p:cNvPicPr>
-            <a:picLocks noChangeAspect="1"/>
+            <a:picLocks noChangeAspect="1" noChangeArrowheads="1"/>
           </p:cNvPicPr>
           <p:nvPr/>
         </p:nvPicPr>
         <p:blipFill>
-          <a:blip r:embed="rId3"/>
+          <a:blip r:embed="rId3">
+            <a:extLst>
+              <a:ext uri="{28A0092B-C50C-407E-A947-70E740481C1C}">
+                <a14:useLocalDpi xmlns:a14="http://schemas.microsoft.com/office/drawing/2010/main" val="0"/>
+              </a:ext>
+            </a:extLst>
+          </a:blip>
+          <a:srcRect/>
           <a:stretch>
             <a:fillRect/>
           </a:stretch>
         </p:blipFill>
+        <p:spPr bwMode="auto">
+          <a:xfrm>
+            <a:off x="0" y="0"/>
+            <a:ext cx="9144000" cy="5143500"/>
+          </a:xfrm>
+          <a:prstGeom prst="rect">
+            <a:avLst/>
+          </a:prstGeom>
+          <a:noFill/>
+          <a:extLst>
+            <a:ext uri="{909E8E84-426E-40DD-AFC4-6F175D3DCCD1}">
+              <a14:hiddenFill xmlns:a14="http://schemas.microsoft.com/office/drawing/2010/main">
+                <a:solidFill>
+                  <a:srgbClr val="FFFFFF"/>
+                </a:solidFill>
+              </a14:hiddenFill>
+            </a:ext>
+          </a:extLst>
+        </p:spPr>
+      </p:pic>
+      <p:sp>
+        <p:nvSpPr>
+          <p:cNvPr id="3" name="Title 1">
+            <a:extLst>
+              <a:ext uri="{FF2B5EF4-FFF2-40B4-BE49-F238E27FC236}">
+                <a16:creationId xmlns:a16="http://schemas.microsoft.com/office/drawing/2014/main" id="{400B0219-63D3-4042-960F-91D2081757B2}"/>
+              </a:ext>
+            </a:extLst>
+          </p:cNvPr>
+          <p:cNvSpPr txBox="1">
+            <a:spLocks/>
+          </p:cNvSpPr>
+          <p:nvPr/>
+        </p:nvSpPr>
         <p:spPr>
           <a:xfrm>
-            <a:off x="2728912" y="445510"/>
-            <a:ext cx="3686175" cy="4086225"/>
+            <a:off x="1524000" y="80682"/>
+            <a:ext cx="6096000" cy="1234265"/>
           </a:xfrm>
           <a:prstGeom prst="rect">
             <a:avLst/>
           </a:prstGeom>
         </p:spPr>
-      </p:pic>
-      <p:pic>
-        <p:nvPicPr>
-          <p:cNvPr id="5" name="Picture 4">
+        <p:txBody>
+          <a:bodyPr anchor="ctr">
+            <a:normAutofit/>
+          </a:bodyPr>
+          <a:lstStyle>
+            <a:defPPr marR="0" lvl="0" algn="l" rtl="0">
+              <a:lnSpc>
+                <a:spcPct val="100000"/>
+              </a:lnSpc>
+              <a:spcBef>
+                <a:spcPts val="0"/>
+              </a:spcBef>
+              <a:spcAft>
+                <a:spcPts val="0"/>
+              </a:spcAft>
+            </a:defPPr>
+            <a:lvl1pPr marR="0" lvl="0" algn="l" rtl="0">
+              <a:lnSpc>
+                <a:spcPct val="100000"/>
+              </a:lnSpc>
+              <a:spcBef>
+                <a:spcPts val="0"/>
+              </a:spcBef>
+              <a:spcAft>
+                <a:spcPts val="0"/>
+              </a:spcAft>
+              <a:buClr>
+                <a:srgbClr val="000000"/>
+              </a:buClr>
+              <a:buFont typeface="Arial"/>
+              <a:defRPr sz="1400" b="0" i="0" u="none" strike="noStrike" cap="none">
+                <a:solidFill>
+                  <a:srgbClr val="000000"/>
+                </a:solidFill>
+                <a:latin typeface="Arial"/>
+                <a:ea typeface="Arial"/>
+                <a:cs typeface="Arial"/>
+                <a:sym typeface="Arial"/>
+              </a:defRPr>
+            </a:lvl1pPr>
+            <a:lvl2pPr marR="0" lvl="1" algn="l" rtl="0">
+              <a:lnSpc>
+                <a:spcPct val="100000"/>
+              </a:lnSpc>
+              <a:spcBef>
+                <a:spcPts val="0"/>
+              </a:spcBef>
+              <a:spcAft>
+                <a:spcPts val="0"/>
+              </a:spcAft>
+              <a:buClr>
+                <a:srgbClr val="000000"/>
+              </a:buClr>
+              <a:buFont typeface="Arial"/>
+              <a:defRPr sz="1400" b="0" i="0" u="none" strike="noStrike" cap="none">
+                <a:solidFill>
+                  <a:srgbClr val="000000"/>
+                </a:solidFill>
+                <a:latin typeface="Arial"/>
+                <a:ea typeface="Arial"/>
+                <a:cs typeface="Arial"/>
+                <a:sym typeface="Arial"/>
+              </a:defRPr>
+            </a:lvl2pPr>
+            <a:lvl3pPr marR="0" lvl="2" algn="l" rtl="0">
+              <a:lnSpc>
+                <a:spcPct val="100000"/>
+              </a:lnSpc>
+              <a:spcBef>
+                <a:spcPts val="0"/>
+              </a:spcBef>
+              <a:spcAft>
+                <a:spcPts val="0"/>
+              </a:spcAft>
+              <a:buClr>
+                <a:srgbClr val="000000"/>
+              </a:buClr>
+              <a:buFont typeface="Arial"/>
+              <a:defRPr sz="1400" b="0" i="0" u="none" strike="noStrike" cap="none">
+                <a:solidFill>
+                  <a:srgbClr val="000000"/>
+                </a:solidFill>
+                <a:latin typeface="Arial"/>
+                <a:ea typeface="Arial"/>
+                <a:cs typeface="Arial"/>
+                <a:sym typeface="Arial"/>
+              </a:defRPr>
+            </a:lvl3pPr>
+            <a:lvl4pPr marR="0" lvl="3" algn="l" rtl="0">
+              <a:lnSpc>
+                <a:spcPct val="100000"/>
+              </a:lnSpc>
+              <a:spcBef>
+                <a:spcPts val="0"/>
+              </a:spcBef>
+              <a:spcAft>
+                <a:spcPts val="0"/>
+              </a:spcAft>
+              <a:buClr>
+                <a:srgbClr val="000000"/>
+              </a:buClr>
+              <a:buFont typeface="Arial"/>
+              <a:defRPr sz="1400" b="0" i="0" u="none" strike="noStrike" cap="none">
+                <a:solidFill>
+                  <a:srgbClr val="000000"/>
+                </a:solidFill>
+                <a:latin typeface="Arial"/>
+                <a:ea typeface="Arial"/>
+                <a:cs typeface="Arial"/>
+                <a:sym typeface="Arial"/>
+              </a:defRPr>
+            </a:lvl4pPr>
+            <a:lvl5pPr marR="0" lvl="4" algn="l" rtl="0">
+              <a:lnSpc>
+                <a:spcPct val="100000"/>
+              </a:lnSpc>
+              <a:spcBef>
+                <a:spcPts val="0"/>
+              </a:spcBef>
+              <a:spcAft>
+                <a:spcPts val="0"/>
+              </a:spcAft>
+              <a:buClr>
+                <a:srgbClr val="000000"/>
+              </a:buClr>
+              <a:buFont typeface="Arial"/>
+              <a:defRPr sz="1400" b="0" i="0" u="none" strike="noStrike" cap="none">
+                <a:solidFill>
+                  <a:srgbClr val="000000"/>
+                </a:solidFill>
+                <a:latin typeface="Arial"/>
+                <a:ea typeface="Arial"/>
+                <a:cs typeface="Arial"/>
+                <a:sym typeface="Arial"/>
+              </a:defRPr>
+            </a:lvl5pPr>
+            <a:lvl6pPr marR="0" lvl="5" algn="l" rtl="0">
+              <a:lnSpc>
+                <a:spcPct val="100000"/>
+              </a:lnSpc>
+              <a:spcBef>
+                <a:spcPts val="0"/>
+              </a:spcBef>
+              <a:spcAft>
+                <a:spcPts val="0"/>
+              </a:spcAft>
+              <a:buClr>
+                <a:srgbClr val="000000"/>
+              </a:buClr>
+              <a:buFont typeface="Arial"/>
+              <a:defRPr sz="1400" b="0" i="0" u="none" strike="noStrike" cap="none">
+                <a:solidFill>
+                  <a:srgbClr val="000000"/>
+                </a:solidFill>
+                <a:latin typeface="Arial"/>
+                <a:ea typeface="Arial"/>
+                <a:cs typeface="Arial"/>
+                <a:sym typeface="Arial"/>
+              </a:defRPr>
+            </a:lvl6pPr>
+            <a:lvl7pPr marR="0" lvl="6" algn="l" rtl="0">
+              <a:lnSpc>
+                <a:spcPct val="100000"/>
+              </a:lnSpc>
+              <a:spcBef>
+                <a:spcPts val="0"/>
+              </a:spcBef>
+              <a:spcAft>
+                <a:spcPts val="0"/>
+              </a:spcAft>
+              <a:buClr>
+                <a:srgbClr val="000000"/>
+              </a:buClr>
+              <a:buFont typeface="Arial"/>
+              <a:defRPr sz="1400" b="0" i="0" u="none" strike="noStrike" cap="none">
+                <a:solidFill>
+                  <a:srgbClr val="000000"/>
+                </a:solidFill>
+                <a:latin typeface="Arial"/>
+                <a:ea typeface="Arial"/>
+                <a:cs typeface="Arial"/>
+                <a:sym typeface="Arial"/>
+              </a:defRPr>
+            </a:lvl7pPr>
+            <a:lvl8pPr marR="0" lvl="7" algn="l" rtl="0">
+              <a:lnSpc>
+                <a:spcPct val="100000"/>
+              </a:lnSpc>
+              <a:spcBef>
+                <a:spcPts val="0"/>
+              </a:spcBef>
+              <a:spcAft>
+                <a:spcPts val="0"/>
+              </a:spcAft>
+              <a:buClr>
+                <a:srgbClr val="000000"/>
+              </a:buClr>
+              <a:buFont typeface="Arial"/>
+              <a:defRPr sz="1400" b="0" i="0" u="none" strike="noStrike" cap="none">
+                <a:solidFill>
+                  <a:srgbClr val="000000"/>
+                </a:solidFill>
+                <a:latin typeface="Arial"/>
+                <a:ea typeface="Arial"/>
+                <a:cs typeface="Arial"/>
+                <a:sym typeface="Arial"/>
+              </a:defRPr>
+            </a:lvl8pPr>
+            <a:lvl9pPr marR="0" lvl="8" algn="l" rtl="0">
+              <a:lnSpc>
+                <a:spcPct val="100000"/>
+              </a:lnSpc>
+              <a:spcBef>
+                <a:spcPts val="0"/>
+              </a:spcBef>
+              <a:spcAft>
+                <a:spcPts val="0"/>
+              </a:spcAft>
+              <a:buClr>
+                <a:srgbClr val="000000"/>
+              </a:buClr>
+              <a:buFont typeface="Arial"/>
+              <a:defRPr sz="1400" b="0" i="0" u="none" strike="noStrike" cap="none">
+                <a:solidFill>
+                  <a:srgbClr val="000000"/>
+                </a:solidFill>
+                <a:latin typeface="Arial"/>
+                <a:ea typeface="Arial"/>
+                <a:cs typeface="Arial"/>
+                <a:sym typeface="Arial"/>
+              </a:defRPr>
+            </a:lvl9pPr>
+          </a:lstStyle>
+          <a:p>
+            <a:pPr algn="ctr"/>
+            <a:r>
+              <a:rPr lang="en-US" sz="3200" b="1" dirty="0">
+                <a:solidFill>
+                  <a:srgbClr val="373E84"/>
+                </a:solidFill>
+                <a:latin typeface="Courier" pitchFamily="2" charset="0"/>
+              </a:rPr>
+              <a:t>Extra resources</a:t>
+            </a:r>
+          </a:p>
+        </p:txBody>
+      </p:sp>
+      <p:sp>
+        <p:nvSpPr>
+          <p:cNvPr id="4" name="TextBox 3">
             <a:extLst>
               <a:ext uri="{FF2B5EF4-FFF2-40B4-BE49-F238E27FC236}">
-                <a16:creationId xmlns:a16="http://schemas.microsoft.com/office/drawing/2014/main" id="{D1CCE131-3F3F-4C34-9CC5-CE75BEDAD89A}"/>
-              </a:ext>
-            </a:extLst>
-          </p:cNvPr>
-          <p:cNvPicPr>
-            <a:picLocks noChangeAspect="1"/>
-          </p:cNvPicPr>
-          <p:nvPr/>
-        </p:nvPicPr>
-        <p:blipFill>
-          <a:blip r:embed="rId4"/>
-          <a:stretch>
-            <a:fillRect/>
-          </a:stretch>
-        </p:blipFill>
-        <p:spPr>
-          <a:xfrm>
-            <a:off x="879764" y="387062"/>
-            <a:ext cx="7491460" cy="4213946"/>
-          </a:xfrm>
-          <a:prstGeom prst="rect">
-            <a:avLst/>
-          </a:prstGeom>
-        </p:spPr>
-      </p:pic>
-    </p:spTree>
-    <p:extLst>
-      <p:ext uri="{BB962C8B-B14F-4D97-AF65-F5344CB8AC3E}">
-        <p14:creationId xmlns:p14="http://schemas.microsoft.com/office/powerpoint/2010/main" val="2166853107"/>
-      </p:ext>
-    </p:extLst>
-  </p:cSld>
-  <p:clrMapOvr>
-    <a:masterClrMapping/>
-  </p:clrMapOvr>
-</p:sld>
-</file>
-
-<file path=ppt/slides/slide8.xml><?xml version="1.0" encoding="utf-8"?>
-<p:sld xmlns:a="http://schemas.openxmlformats.org/drawingml/2006/main" xmlns:r="http://schemas.openxmlformats.org/officeDocument/2006/relationships" xmlns:p="http://schemas.openxmlformats.org/presentationml/2006/main">
-  <p:cSld>
-    <p:spTree>
-      <p:nvGrpSpPr>
-        <p:cNvPr id="1" name=""/>
-        <p:cNvGrpSpPr/>
-        <p:nvPr/>
-      </p:nvGrpSpPr>
-      <p:grpSpPr>
-        <a:xfrm>
-          <a:off x="0" y="0"/>
-          <a:ext cx="0" cy="0"/>
-          <a:chOff x="0" y="0"/>
-          <a:chExt cx="0" cy="0"/>
-        </a:xfrm>
-      </p:grpSpPr>
-      <p:sp>
-        <p:nvSpPr>
-          <p:cNvPr id="2" name="TextBox 1">
-            <a:extLst>
-              <a:ext uri="{FF2B5EF4-FFF2-40B4-BE49-F238E27FC236}">
-                <a16:creationId xmlns:a16="http://schemas.microsoft.com/office/drawing/2014/main" id="{B52F0EC6-ECF8-4B11-B658-6E7B9D9ADE7D}"/>
+                <a16:creationId xmlns:a16="http://schemas.microsoft.com/office/drawing/2014/main" id="{BC393768-0C7D-774E-8360-67DF30EECA16}"/>
               </a:ext>
             </a:extLst>
           </p:cNvPr>
@@ -8897,8 +7822,8 @@
         </p:nvSpPr>
         <p:spPr>
           <a:xfrm>
-            <a:off x="1549672" y="145881"/>
-            <a:ext cx="5924856" cy="584775"/>
+            <a:off x="1090413" y="1395629"/>
+            <a:ext cx="7327445" cy="3323987"/>
           </a:xfrm>
           <a:prstGeom prst="rect">
             <a:avLst/>
@@ -8911,119 +7836,255 @@
           </a:bodyPr>
           <a:lstStyle/>
           <a:p>
-            <a:pPr algn="ctr"/>
-            <a:r>
-              <a:rPr lang="en-AE" sz="3200" b="1" dirty="0">
-                <a:solidFill>
-                  <a:srgbClr val="373E84"/>
-                </a:solidFill>
-                <a:latin typeface="Courier New" panose="02070309020205020404" pitchFamily="49" charset="0"/>
-                <a:cs typeface="Courier New" panose="02070309020205020404" pitchFamily="49" charset="0"/>
+            <a:r>
+              <a:rPr lang="en-US" dirty="0">
+                <a:latin typeface="Helvetica Neue" panose="02000503000000020004" pitchFamily="2" charset="0"/>
+                <a:ea typeface="Helvetica Neue" panose="02000503000000020004" pitchFamily="2" charset="0"/>
+                <a:cs typeface="Helvetica Neue" panose="02000503000000020004" pitchFamily="2" charset="0"/>
               </a:rPr>
-              <a:t>A practical example</a:t>
-            </a:r>
+              <a:t>Python Documentation: </a:t>
+            </a:r>
+            <a:r>
+              <a:rPr lang="en-US" dirty="0">
+                <a:hlinkClick r:id="rId4"/>
+              </a:rPr>
+              <a:t>The Python Tutorial — Python 3.9.7 documentation</a:t>
+            </a:r>
+            <a:endParaRPr lang="en-US" dirty="0"/>
+          </a:p>
+          <a:p>
+            <a:r>
+              <a:rPr lang="en-US" dirty="0">
+                <a:latin typeface="Helvetica Neue" panose="02000503000000020004" pitchFamily="2" charset="0"/>
+                <a:ea typeface="Helvetica Neue" panose="02000503000000020004" pitchFamily="2" charset="0"/>
+              </a:rPr>
+              <a:t>(To be honest this is THE BEST source, it’s hard but nothing else comes close!)</a:t>
+            </a:r>
+            <a:endParaRPr lang="en-US" dirty="0">
+              <a:latin typeface="Helvetica Neue" panose="02000503000000020004" pitchFamily="2" charset="0"/>
+              <a:ea typeface="Helvetica Neue" panose="02000503000000020004" pitchFamily="2" charset="0"/>
+              <a:cs typeface="Helvetica Neue" panose="02000503000000020004" pitchFamily="2" charset="0"/>
+            </a:endParaRPr>
+          </a:p>
+          <a:p>
+            <a:endParaRPr lang="en-US" dirty="0">
+              <a:latin typeface="Helvetica Neue" panose="02000503000000020004" pitchFamily="2" charset="0"/>
+              <a:ea typeface="Helvetica Neue" panose="02000503000000020004" pitchFamily="2" charset="0"/>
+              <a:cs typeface="Helvetica Neue" panose="02000503000000020004" pitchFamily="2" charset="0"/>
+            </a:endParaRPr>
+          </a:p>
+          <a:p>
+            <a:r>
+              <a:rPr lang="en-US" dirty="0">
+                <a:latin typeface="Helvetica Neue" panose="02000503000000020004" pitchFamily="2" charset="0"/>
+                <a:ea typeface="Helvetica Neue" panose="02000503000000020004" pitchFamily="2" charset="0"/>
+                <a:cs typeface="Helvetica Neue" panose="02000503000000020004" pitchFamily="2" charset="0"/>
+              </a:rPr>
+              <a:t>Useful videos: </a:t>
+            </a:r>
+            <a:r>
+              <a:rPr lang="en-US" dirty="0">
+                <a:hlinkClick r:id="rId5"/>
+              </a:rPr>
+              <a:t>(1) Python Tutorial - Python for Beginners [Full Course] – YouTube</a:t>
+            </a:r>
+            <a:endParaRPr lang="en-US" dirty="0">
+              <a:latin typeface="Helvetica Neue" panose="02000503000000020004" pitchFamily="2" charset="0"/>
+            </a:endParaRPr>
+          </a:p>
+          <a:p>
+            <a:r>
+              <a:rPr lang="en-US" dirty="0">
+                <a:latin typeface="Helvetica Neue" panose="02000503000000020004" pitchFamily="2" charset="0"/>
+                <a:ea typeface="Helvetica Neue" panose="02000503000000020004" pitchFamily="2" charset="0"/>
+                <a:cs typeface="Helvetica Neue" panose="02000503000000020004" pitchFamily="2" charset="0"/>
+              </a:rPr>
+              <a:t>	</a:t>
+            </a:r>
+            <a:r>
+              <a:rPr lang="en-US" dirty="0">
+                <a:hlinkClick r:id="rId6"/>
+              </a:rPr>
+              <a:t>(1) Learn Python - Full Course for Beginners [Tutorial] – YouTube</a:t>
+            </a:r>
+            <a:endParaRPr lang="en-US" dirty="0"/>
+          </a:p>
+          <a:p>
+            <a:endParaRPr lang="en-US" dirty="0">
+              <a:latin typeface="Helvetica Neue" panose="02000503000000020004" pitchFamily="2" charset="0"/>
+              <a:ea typeface="Helvetica Neue" panose="02000503000000020004" pitchFamily="2" charset="0"/>
+              <a:cs typeface="Helvetica Neue" panose="02000503000000020004" pitchFamily="2" charset="0"/>
+            </a:endParaRPr>
+          </a:p>
+          <a:p>
+            <a:pPr algn="l">
+              <a:buFont typeface="Arial" panose="020B0604020202020204" pitchFamily="34" charset="0"/>
+              <a:buChar char="•"/>
+            </a:pPr>
+            <a:r>
+              <a:rPr lang="en-US" dirty="0">
+                <a:latin typeface="Helvetica Neue" panose="02000503000000020004" pitchFamily="2" charset="0"/>
+                <a:ea typeface="Helvetica Neue" panose="02000503000000020004" pitchFamily="2" charset="0"/>
+                <a:cs typeface="Helvetica Neue" panose="02000503000000020004" pitchFamily="2" charset="0"/>
+              </a:rPr>
+              <a:t>Books: </a:t>
+            </a:r>
+            <a:r>
+              <a:rPr lang="en-US" b="0" i="1" u="none" strike="noStrike" dirty="0">
+                <a:solidFill>
+                  <a:srgbClr val="619CCD"/>
+                </a:solidFill>
+                <a:effectLst/>
+                <a:latin typeface="source sans pro" panose="020B0604020202020204" pitchFamily="34" charset="0"/>
+                <a:hlinkClick r:id="rId7"/>
+              </a:rPr>
+              <a:t>Think Python</a:t>
+            </a:r>
+            <a:r>
+              <a:rPr lang="en-US" b="0" i="0" dirty="0">
+                <a:solidFill>
+                  <a:srgbClr val="32516B"/>
+                </a:solidFill>
+                <a:effectLst/>
+                <a:latin typeface="source sans pro" panose="020B0604020202020204" pitchFamily="34" charset="0"/>
+              </a:rPr>
+              <a:t>: The most basic of this list, </a:t>
+            </a:r>
+            <a:r>
+              <a:rPr lang="en-US" b="0" i="1" dirty="0">
+                <a:solidFill>
+                  <a:srgbClr val="32516B"/>
+                </a:solidFill>
+                <a:effectLst/>
+                <a:latin typeface="source sans pro" panose="020B0604020202020204" pitchFamily="34" charset="0"/>
+              </a:rPr>
+              <a:t>Think Python</a:t>
+            </a:r>
+            <a:r>
+              <a:rPr lang="en-US" b="0" i="0" dirty="0">
+                <a:solidFill>
+                  <a:srgbClr val="32516B"/>
+                </a:solidFill>
+                <a:effectLst/>
+                <a:latin typeface="source sans pro" panose="020B0604020202020204" pitchFamily="34" charset="0"/>
+              </a:rPr>
+              <a:t> provides a comprehensive Python reference.</a:t>
+            </a:r>
+          </a:p>
+          <a:p>
+            <a:pPr algn="l">
+              <a:buFont typeface="Arial" panose="020B0604020202020204" pitchFamily="34" charset="0"/>
+              <a:buChar char="•"/>
+            </a:pPr>
+            <a:r>
+              <a:rPr lang="en-US" b="0" i="1" u="none" strike="noStrike" dirty="0">
+                <a:solidFill>
+                  <a:srgbClr val="619CCD"/>
+                </a:solidFill>
+                <a:effectLst/>
+                <a:latin typeface="source sans pro" panose="020B0604020202020204" pitchFamily="34" charset="0"/>
+                <a:hlinkClick r:id="rId8"/>
+              </a:rPr>
+              <a:t>Fluent Python</a:t>
+            </a:r>
+            <a:r>
+              <a:rPr lang="en-US" b="0" i="0" dirty="0">
+                <a:solidFill>
+                  <a:srgbClr val="32516B"/>
+                </a:solidFill>
+                <a:effectLst/>
+                <a:latin typeface="source sans pro" panose="020B0604020202020204" pitchFamily="34" charset="0"/>
+              </a:rPr>
+              <a:t>: While Python’s simplicity lets you quickly start coding, this book teaches you how to write idiomatic Python code, while going into several deep topics of the language.</a:t>
+            </a:r>
+          </a:p>
+          <a:p>
+            <a:pPr algn="l">
+              <a:buFont typeface="Arial" panose="020B0604020202020204" pitchFamily="34" charset="0"/>
+              <a:buChar char="•"/>
+            </a:pPr>
+            <a:r>
+              <a:rPr lang="en-US" b="0" i="1" u="none" strike="noStrike" dirty="0">
+                <a:solidFill>
+                  <a:srgbClr val="619CCD"/>
+                </a:solidFill>
+                <a:effectLst/>
+                <a:latin typeface="source sans pro" panose="020B0604020202020204" pitchFamily="34" charset="0"/>
+                <a:hlinkClick r:id="rId9"/>
+              </a:rPr>
+              <a:t>Effective Python: 59 Ways to Write Better Python</a:t>
+            </a:r>
+            <a:r>
+              <a:rPr lang="en-US" b="0" i="0" dirty="0">
+                <a:solidFill>
+                  <a:srgbClr val="32516B"/>
+                </a:solidFill>
+                <a:effectLst/>
+                <a:latin typeface="source sans pro" panose="020B0604020202020204" pitchFamily="34" charset="0"/>
+              </a:rPr>
+              <a:t>: This relatively short book is a collection of 59 articles that, similarly to </a:t>
+            </a:r>
+            <a:r>
+              <a:rPr lang="en-US" b="0" i="1" dirty="0">
+                <a:solidFill>
+                  <a:srgbClr val="32516B"/>
+                </a:solidFill>
+                <a:effectLst/>
+                <a:latin typeface="source sans pro" panose="020B0604020202020204" pitchFamily="34" charset="0"/>
+              </a:rPr>
+              <a:t>Fluent Python</a:t>
+            </a:r>
+            <a:r>
+              <a:rPr lang="en-US" b="0" i="0" dirty="0">
+                <a:solidFill>
+                  <a:srgbClr val="32516B"/>
+                </a:solidFill>
+                <a:effectLst/>
+                <a:latin typeface="source sans pro" panose="020B0604020202020204" pitchFamily="34" charset="0"/>
+              </a:rPr>
+              <a:t>, focus on teaching you how to write truly Pythonic code.</a:t>
+            </a:r>
+          </a:p>
+          <a:p>
+            <a:pPr algn="l">
+              <a:buFont typeface="Arial" panose="020B0604020202020204" pitchFamily="34" charset="0"/>
+              <a:buChar char="•"/>
+            </a:pPr>
+            <a:r>
+              <a:rPr lang="en-US" b="0" i="1" u="none" strike="noStrike" dirty="0">
+                <a:solidFill>
+                  <a:srgbClr val="619CCD"/>
+                </a:solidFill>
+                <a:effectLst/>
+                <a:latin typeface="source sans pro" panose="020B0604020202020204" pitchFamily="34" charset="0"/>
+                <a:hlinkClick r:id="rId10"/>
+              </a:rPr>
+              <a:t>Python Cookbook</a:t>
+            </a:r>
+            <a:r>
+              <a:rPr lang="en-US" b="0" i="0" dirty="0">
+                <a:solidFill>
+                  <a:srgbClr val="32516B"/>
+                </a:solidFill>
+                <a:effectLst/>
+                <a:latin typeface="source sans pro" panose="020B0604020202020204" pitchFamily="34" charset="0"/>
+              </a:rPr>
+              <a:t>: As a ‘cookbook’, this will be a good reference on how to use Python to complete tasks you have done in another language.</a:t>
+            </a:r>
+          </a:p>
+          <a:p>
+            <a:endParaRPr lang="en-US" dirty="0">
+              <a:latin typeface="Helvetica Neue" panose="02000503000000020004" pitchFamily="2" charset="0"/>
+              <a:ea typeface="Helvetica Neue" panose="02000503000000020004" pitchFamily="2" charset="0"/>
+              <a:cs typeface="Helvetica Neue" panose="02000503000000020004" pitchFamily="2" charset="0"/>
+            </a:endParaRPr>
           </a:p>
         </p:txBody>
       </p:sp>
-      <p:sp>
-        <p:nvSpPr>
-          <p:cNvPr id="3" name="TextBox 2">
-            <a:extLst>
-              <a:ext uri="{FF2B5EF4-FFF2-40B4-BE49-F238E27FC236}">
-                <a16:creationId xmlns:a16="http://schemas.microsoft.com/office/drawing/2014/main" id="{B667A06A-DEAF-4C2C-AA87-8B583BC1C620}"/>
-              </a:ext>
-            </a:extLst>
-          </p:cNvPr>
-          <p:cNvSpPr txBox="1"/>
-          <p:nvPr/>
-        </p:nvSpPr>
-        <p:spPr>
-          <a:xfrm>
-            <a:off x="1490790" y="903837"/>
-            <a:ext cx="6042619" cy="369332"/>
-          </a:xfrm>
-          <a:prstGeom prst="rect">
-            <a:avLst/>
-          </a:prstGeom>
-          <a:noFill/>
-        </p:spPr>
-        <p:txBody>
-          <a:bodyPr wrap="square" rtlCol="0">
-            <a:spAutoFit/>
-          </a:bodyPr>
-          <a:lstStyle/>
-          <a:p>
-            <a:r>
-              <a:rPr lang="en-US" sz="1800" dirty="0"/>
-              <a:t>  </a:t>
-            </a:r>
-          </a:p>
-        </p:txBody>
-      </p:sp>
-      <p:pic>
-        <p:nvPicPr>
-          <p:cNvPr id="7" name="Picture 6">
-            <a:extLst>
-              <a:ext uri="{FF2B5EF4-FFF2-40B4-BE49-F238E27FC236}">
-                <a16:creationId xmlns:a16="http://schemas.microsoft.com/office/drawing/2014/main" id="{D2C89094-E841-4479-98FE-4FBE01D70271}"/>
-              </a:ext>
-            </a:extLst>
-          </p:cNvPr>
-          <p:cNvPicPr>
-            <a:picLocks noChangeAspect="1"/>
-          </p:cNvPicPr>
-          <p:nvPr/>
-        </p:nvPicPr>
-        <p:blipFill>
-          <a:blip r:embed="rId3"/>
-          <a:stretch>
-            <a:fillRect/>
-          </a:stretch>
-        </p:blipFill>
-        <p:spPr>
-          <a:xfrm>
-            <a:off x="540434" y="903837"/>
-            <a:ext cx="3230454" cy="3645477"/>
-          </a:xfrm>
-          <a:prstGeom prst="rect">
-            <a:avLst/>
-          </a:prstGeom>
-        </p:spPr>
-      </p:pic>
-      <p:pic>
-        <p:nvPicPr>
-          <p:cNvPr id="13" name="Picture 12">
-            <a:extLst>
-              <a:ext uri="{FF2B5EF4-FFF2-40B4-BE49-F238E27FC236}">
-                <a16:creationId xmlns:a16="http://schemas.microsoft.com/office/drawing/2014/main" id="{F1E5BDAE-1B37-4C46-B61E-9D5BFE66DB0B}"/>
-              </a:ext>
-            </a:extLst>
-          </p:cNvPr>
-          <p:cNvPicPr>
-            <a:picLocks noChangeAspect="1"/>
-          </p:cNvPicPr>
-          <p:nvPr/>
-        </p:nvPicPr>
-        <p:blipFill>
-          <a:blip r:embed="rId4"/>
-          <a:stretch>
-            <a:fillRect/>
-          </a:stretch>
-        </p:blipFill>
-        <p:spPr>
-          <a:xfrm>
-            <a:off x="4572000" y="903837"/>
-            <a:ext cx="4092936" cy="3645477"/>
-          </a:xfrm>
-          <a:prstGeom prst="rect">
-            <a:avLst/>
-          </a:prstGeom>
-        </p:spPr>
-      </p:pic>
     </p:spTree>
     <p:extLst>
       <p:ext uri="{BB962C8B-B14F-4D97-AF65-F5344CB8AC3E}">
-        <p14:creationId xmlns:p14="http://schemas.microsoft.com/office/powerpoint/2010/main" val="1167838866"/>
+        <p14:creationId xmlns:p14="http://schemas.microsoft.com/office/powerpoint/2010/main" val="3698007109"/>
       </p:ext>
     </p:extLst>
   </p:cSld>
@@ -9033,7 +8094,7 @@
 </p:sld>
 </file>
 
-<file path=ppt/slides/slide9.xml><?xml version="1.0" encoding="utf-8"?>
+<file path=ppt/slides/slide7.xml><?xml version="1.0" encoding="utf-8"?>
 <p:sld xmlns:a="http://schemas.openxmlformats.org/drawingml/2006/main" xmlns:r="http://schemas.openxmlformats.org/officeDocument/2006/relationships" xmlns:p="http://schemas.openxmlformats.org/presentationml/2006/main">
   <p:cSld>
     <p:spTree>
@@ -9079,7 +8140,7 @@
         </p:blipFill>
         <p:spPr bwMode="auto">
           <a:xfrm>
-            <a:off x="-1" y="55418"/>
+            <a:off x="0" y="9811"/>
             <a:ext cx="9144000" cy="5143500"/>
           </a:xfrm>
           <a:prstGeom prst="rect">
@@ -9111,8 +8172,8 @@
         </p:nvSpPr>
         <p:spPr>
           <a:xfrm>
-            <a:off x="2523564" y="304800"/>
-            <a:ext cx="4096871" cy="584775"/>
+            <a:off x="2370960" y="674536"/>
+            <a:ext cx="4096871" cy="1077218"/>
           </a:xfrm>
           <a:prstGeom prst="rect">
             <a:avLst/>
@@ -9134,9 +8195,30 @@
                 <a:latin typeface="Courier New" panose="02070309020205020404" pitchFamily="49" charset="0"/>
                 <a:cs typeface="Courier New" panose="02070309020205020404" pitchFamily="49" charset="0"/>
               </a:rPr>
-              <a:t>Where to begin?</a:t>
-            </a:r>
-            <a:endParaRPr lang="en-AE" sz="3200" b="1" dirty="0">
+              <a:t>Let</a:t>
+            </a:r>
+            <a:r>
+              <a:rPr lang="en-AE" sz="3200" b="1" dirty="0">
+                <a:solidFill>
+                  <a:srgbClr val="373E84"/>
+                </a:solidFill>
+                <a:latin typeface="Courier New" panose="02070309020205020404" pitchFamily="49" charset="0"/>
+                <a:cs typeface="Courier New" panose="02070309020205020404" pitchFamily="49" charset="0"/>
+              </a:rPr>
+              <a:t>’s start Coding </a:t>
+            </a:r>
+            <a:r>
+              <a:rPr lang="en-AE" sz="3200" b="1" dirty="0">
+                <a:solidFill>
+                  <a:srgbClr val="373E84"/>
+                </a:solidFill>
+                <a:latin typeface="Courier New" panose="02070309020205020404" pitchFamily="49" charset="0"/>
+                <a:cs typeface="Courier New" panose="02070309020205020404" pitchFamily="49" charset="0"/>
+                <a:sym typeface="Wingdings" panose="05000000000000000000" pitchFamily="2" charset="2"/>
+              </a:rPr>
+              <a:t></a:t>
+            </a:r>
+            <a:endParaRPr lang="en-US" sz="3200" b="1" dirty="0">
               <a:solidFill>
                 <a:srgbClr val="373E84"/>
               </a:solidFill>
@@ -9401,46 +8483,6 @@
             </a:lvl9pPr>
           </a:lstStyle>
           <a:p>
-            <a:r>
-              <a:rPr lang="en-US" b="1" dirty="0">
-                <a:latin typeface="Helvetica Neue" panose="02000503000000020004" pitchFamily="2" charset="0"/>
-                <a:ea typeface="Helvetica Neue" panose="02000503000000020004" pitchFamily="2" charset="0"/>
-                <a:cs typeface="Helvetica Neue" panose="02000503000000020004" pitchFamily="2" charset="0"/>
-              </a:rPr>
-              <a:t>I am a noob</a:t>
-            </a:r>
-          </a:p>
-          <a:p>
-            <a:pPr marL="285750" indent="-285750">
-              <a:buFont typeface="Courier New" panose="02070309020205020404" pitchFamily="49" charset="0"/>
-              <a:buChar char="o"/>
-            </a:pPr>
-            <a:r>
-              <a:rPr lang="en-US" sz="1200" dirty="0">
-                <a:latin typeface="Helvetica Neue" panose="02000503000000020004" pitchFamily="2" charset="0"/>
-                <a:ea typeface="Helvetica Neue" panose="02000503000000020004" pitchFamily="2" charset="0"/>
-                <a:cs typeface="Helvetica Neue" panose="02000503000000020004" pitchFamily="2" charset="0"/>
-              </a:rPr>
-              <a:t>Python Online IDE: </a:t>
-            </a:r>
-            <a:r>
-              <a:rPr lang="en-US" sz="1200" dirty="0">
-                <a:solidFill>
-                  <a:srgbClr val="373E84"/>
-                </a:solidFill>
-                <a:latin typeface="Helvetica Neue" panose="02000503000000020004" pitchFamily="2" charset="0"/>
-                <a:ea typeface="Helvetica Neue" panose="02000503000000020004" pitchFamily="2" charset="0"/>
-                <a:cs typeface="Helvetica Neue" panose="02000503000000020004" pitchFamily="2" charset="0"/>
-                <a:hlinkClick r:id="rId4">
-                  <a:extLst>
-                    <a:ext uri="{A12FA001-AC4F-418D-AE19-62706E023703}">
-                      <ahyp:hlinkClr xmlns:ahyp="http://schemas.microsoft.com/office/drawing/2018/hyperlinkcolor" val="tx"/>
-                    </a:ext>
-                  </a:extLst>
-                </a:hlinkClick>
-              </a:rPr>
-              <a:t>Online Python Interpreter and interactive shell – Replit</a:t>
-            </a:r>
             <a:endParaRPr lang="en-US" sz="1200" dirty="0">
               <a:solidFill>
                 <a:srgbClr val="373E84"/>
@@ -9467,7 +8509,7 @@
         <p:spPr>
           <a:xfrm>
             <a:off x="1783568" y="1662158"/>
-            <a:ext cx="4527177" cy="2277547"/>
+            <a:ext cx="4527177" cy="523220"/>
           </a:xfrm>
           <a:prstGeom prst="rect">
             <a:avLst/>
@@ -9479,187 +8521,6 @@
             <a:spAutoFit/>
           </a:bodyPr>
           <a:lstStyle/>
-          <a:p>
-            <a:r>
-              <a:rPr lang="en-US" b="1" dirty="0">
-                <a:latin typeface="Helvetica Neue" panose="02000503000000020004" pitchFamily="2" charset="0"/>
-                <a:ea typeface="Helvetica Neue" panose="02000503000000020004" pitchFamily="2" charset="0"/>
-                <a:cs typeface="Helvetica Neue" panose="02000503000000020004" pitchFamily="2" charset="0"/>
-              </a:rPr>
-              <a:t>I am serious</a:t>
-            </a:r>
-          </a:p>
-          <a:p>
-            <a:pPr marL="285750" indent="-285750">
-              <a:buFont typeface="Wingdings" panose="05000000000000000000" pitchFamily="2" charset="2"/>
-              <a:buChar char="Ø"/>
-            </a:pPr>
-            <a:r>
-              <a:rPr lang="en-US" dirty="0">
-                <a:latin typeface="Helvetica Neue" panose="02000503000000020004" pitchFamily="2" charset="0"/>
-                <a:ea typeface="Helvetica Neue" panose="02000503000000020004" pitchFamily="2" charset="0"/>
-                <a:cs typeface="Helvetica Neue" panose="02000503000000020004" pitchFamily="2" charset="0"/>
-              </a:rPr>
-              <a:t>Python Download: </a:t>
-            </a:r>
-            <a:r>
-              <a:rPr lang="en-US" dirty="0">
-                <a:solidFill>
-                  <a:srgbClr val="373E84"/>
-                </a:solidFill>
-                <a:latin typeface="Helvetica Neue" panose="02000503000000020004" pitchFamily="2" charset="0"/>
-                <a:ea typeface="Helvetica Neue" panose="02000503000000020004" pitchFamily="2" charset="0"/>
-                <a:cs typeface="Helvetica Neue" panose="02000503000000020004" pitchFamily="2" charset="0"/>
-                <a:hlinkClick r:id="rId5">
-                  <a:extLst>
-                    <a:ext uri="{A12FA001-AC4F-418D-AE19-62706E023703}">
-                      <ahyp:hlinkClr xmlns:ahyp="http://schemas.microsoft.com/office/drawing/2018/hyperlinkcolor" val="tx"/>
-                    </a:ext>
-                  </a:extLst>
-                </a:hlinkClick>
-              </a:rPr>
-              <a:t>www.python.org</a:t>
-            </a:r>
-            <a:endParaRPr lang="en-US" dirty="0">
-              <a:solidFill>
-                <a:srgbClr val="373E84"/>
-              </a:solidFill>
-              <a:latin typeface="Helvetica Neue" panose="02000503000000020004" pitchFamily="2" charset="0"/>
-              <a:ea typeface="Helvetica Neue" panose="02000503000000020004" pitchFamily="2" charset="0"/>
-              <a:cs typeface="Helvetica Neue" panose="02000503000000020004" pitchFamily="2" charset="0"/>
-            </a:endParaRPr>
-          </a:p>
-          <a:p>
-            <a:pPr marL="285750" indent="-285750">
-              <a:buFont typeface="Wingdings" panose="05000000000000000000" pitchFamily="2" charset="2"/>
-              <a:buChar char="Ø"/>
-            </a:pPr>
-            <a:endParaRPr lang="en-US" b="1" dirty="0">
-              <a:latin typeface="Helvetica Neue" panose="02000503000000020004" pitchFamily="2" charset="0"/>
-              <a:ea typeface="Helvetica Neue" panose="02000503000000020004" pitchFamily="2" charset="0"/>
-              <a:cs typeface="Helvetica Neue" panose="02000503000000020004" pitchFamily="2" charset="0"/>
-            </a:endParaRPr>
-          </a:p>
-          <a:p>
-            <a:pPr marL="285750" indent="-285750">
-              <a:buFont typeface="Courier New" panose="02070309020205020404" pitchFamily="49" charset="0"/>
-              <a:buChar char="o"/>
-            </a:pPr>
-            <a:r>
-              <a:rPr lang="en-US" sz="1200" dirty="0">
-                <a:latin typeface="Helvetica Neue" panose="02000503000000020004" pitchFamily="2" charset="0"/>
-                <a:ea typeface="Helvetica Neue" panose="02000503000000020004" pitchFamily="2" charset="0"/>
-                <a:cs typeface="Helvetica Neue" panose="02000503000000020004" pitchFamily="2" charset="0"/>
-              </a:rPr>
-              <a:t>PyCharm by Jet Brains: </a:t>
-            </a:r>
-            <a:r>
-              <a:rPr lang="en-US" sz="1200" dirty="0">
-                <a:solidFill>
-                  <a:srgbClr val="373E84"/>
-                </a:solidFill>
-                <a:latin typeface="Helvetica Neue" panose="02000503000000020004" pitchFamily="2" charset="0"/>
-                <a:ea typeface="Helvetica Neue" panose="02000503000000020004" pitchFamily="2" charset="0"/>
-                <a:cs typeface="Helvetica Neue" panose="02000503000000020004" pitchFamily="2" charset="0"/>
-                <a:hlinkClick r:id="rId6">
-                  <a:extLst>
-                    <a:ext uri="{A12FA001-AC4F-418D-AE19-62706E023703}">
-                      <ahyp:hlinkClr xmlns:ahyp="http://schemas.microsoft.com/office/drawing/2018/hyperlinkcolor" val="tx"/>
-                    </a:ext>
-                  </a:extLst>
-                </a:hlinkClick>
-              </a:rPr>
-              <a:t>PyCharm: the Python IDE for Professional Developers by JetBrains</a:t>
-            </a:r>
-            <a:endParaRPr lang="en-US" sz="1200" dirty="0">
-              <a:solidFill>
-                <a:srgbClr val="373E84"/>
-              </a:solidFill>
-              <a:latin typeface="Helvetica Neue" panose="02000503000000020004" pitchFamily="2" charset="0"/>
-              <a:ea typeface="Helvetica Neue" panose="02000503000000020004" pitchFamily="2" charset="0"/>
-              <a:cs typeface="Helvetica Neue" panose="02000503000000020004" pitchFamily="2" charset="0"/>
-            </a:endParaRPr>
-          </a:p>
-          <a:p>
-            <a:pPr marL="285750" lvl="1" indent="-285750">
-              <a:buFont typeface="Courier New" panose="02070309020205020404" pitchFamily="49" charset="0"/>
-              <a:buChar char="o"/>
-            </a:pPr>
-            <a:r>
-              <a:rPr lang="en-US" sz="1200" dirty="0">
-                <a:latin typeface="Helvetica Neue" panose="02000503000000020004" pitchFamily="2" charset="0"/>
-                <a:ea typeface="Helvetica Neue" panose="02000503000000020004" pitchFamily="2" charset="0"/>
-                <a:cs typeface="Helvetica Neue" panose="02000503000000020004" pitchFamily="2" charset="0"/>
-              </a:rPr>
-              <a:t>Visual studio code: </a:t>
-            </a:r>
-            <a:r>
-              <a:rPr lang="it-IT" sz="1200" dirty="0">
-                <a:solidFill>
-                  <a:srgbClr val="373E84"/>
-                </a:solidFill>
-                <a:latin typeface="Helvetica Neue" panose="02000503000000020004" pitchFamily="2" charset="0"/>
-                <a:ea typeface="Helvetica Neue" panose="02000503000000020004" pitchFamily="2" charset="0"/>
-                <a:cs typeface="Helvetica Neue" panose="02000503000000020004" pitchFamily="2" charset="0"/>
-                <a:hlinkClick r:id="rId7">
-                  <a:extLst>
-                    <a:ext uri="{A12FA001-AC4F-418D-AE19-62706E023703}">
-                      <ahyp:hlinkClr xmlns:ahyp="http://schemas.microsoft.com/office/drawing/2018/hyperlinkcolor" val="tx"/>
-                    </a:ext>
-                  </a:extLst>
-                </a:hlinkClick>
-              </a:rPr>
-              <a:t>Visual Studio Code - Code Editing. Redefined</a:t>
-            </a:r>
-            <a:endParaRPr lang="en-US" sz="1200" dirty="0">
-              <a:solidFill>
-                <a:srgbClr val="373E84"/>
-              </a:solidFill>
-              <a:latin typeface="Helvetica Neue" panose="02000503000000020004" pitchFamily="2" charset="0"/>
-              <a:ea typeface="Helvetica Neue" panose="02000503000000020004" pitchFamily="2" charset="0"/>
-              <a:cs typeface="Helvetica Neue" panose="02000503000000020004" pitchFamily="2" charset="0"/>
-            </a:endParaRPr>
-          </a:p>
-          <a:p>
-            <a:pPr marL="285750" lvl="1" indent="-285750">
-              <a:buFont typeface="Courier New" panose="02070309020205020404" pitchFamily="49" charset="0"/>
-              <a:buChar char="o"/>
-            </a:pPr>
-            <a:r>
-              <a:rPr lang="en-US" sz="1200" dirty="0">
-                <a:latin typeface="Helvetica Neue" panose="02000503000000020004" pitchFamily="2" charset="0"/>
-                <a:ea typeface="Helvetica Neue" panose="02000503000000020004" pitchFamily="2" charset="0"/>
-                <a:cs typeface="Helvetica Neue" panose="02000503000000020004" pitchFamily="2" charset="0"/>
-              </a:rPr>
-              <a:t>Notepad++ (Windows only): </a:t>
-            </a:r>
-            <a:r>
-              <a:rPr lang="en-US" sz="1200" dirty="0">
-                <a:solidFill>
-                  <a:srgbClr val="373E84"/>
-                </a:solidFill>
-                <a:latin typeface="Helvetica Neue" panose="02000503000000020004" pitchFamily="2" charset="0"/>
-                <a:ea typeface="Helvetica Neue" panose="02000503000000020004" pitchFamily="2" charset="0"/>
-                <a:cs typeface="Helvetica Neue" panose="02000503000000020004" pitchFamily="2" charset="0"/>
-                <a:hlinkClick r:id="rId8">
-                  <a:extLst>
-                    <a:ext uri="{A12FA001-AC4F-418D-AE19-62706E023703}">
-                      <ahyp:hlinkClr xmlns:ahyp="http://schemas.microsoft.com/office/drawing/2018/hyperlinkcolor" val="tx"/>
-                    </a:ext>
-                  </a:extLst>
-                </a:hlinkClick>
-              </a:rPr>
-              <a:t>Downloads | Notepad++ (notepad-plus-plus.org)</a:t>
-            </a:r>
-            <a:endParaRPr lang="en-US" sz="1200" dirty="0">
-              <a:solidFill>
-                <a:srgbClr val="373E84"/>
-              </a:solidFill>
-              <a:latin typeface="Helvetica Neue" panose="02000503000000020004" pitchFamily="2" charset="0"/>
-              <a:ea typeface="Helvetica Neue" panose="02000503000000020004" pitchFamily="2" charset="0"/>
-              <a:cs typeface="Helvetica Neue" panose="02000503000000020004" pitchFamily="2" charset="0"/>
-            </a:endParaRPr>
-          </a:p>
           <a:p>
             <a:pPr marL="285750" lvl="1" indent="-285750">
               <a:buFont typeface="Courier New" panose="02070309020205020404" pitchFamily="49" charset="0"/>
@@ -9931,46 +8792,127 @@
             </a:lvl9pPr>
           </a:lstStyle>
           <a:p>
-            <a:r>
-              <a:rPr lang="en-US" b="1" dirty="0">
-                <a:latin typeface="Helvetica Neue" panose="02000503000000020004" pitchFamily="2" charset="0"/>
-                <a:ea typeface="Helvetica Neue" panose="02000503000000020004" pitchFamily="2" charset="0"/>
-                <a:cs typeface="Helvetica Neue" panose="02000503000000020004" pitchFamily="2" charset="0"/>
+            <a:endParaRPr lang="en-US" sz="1200" u="sng" dirty="0">
+              <a:solidFill>
+                <a:srgbClr val="373E84"/>
+              </a:solidFill>
+              <a:latin typeface="Helvetica Neue" panose="02000503000000020004" pitchFamily="2" charset="0"/>
+              <a:ea typeface="Helvetica Neue" panose="02000503000000020004" pitchFamily="2" charset="0"/>
+              <a:cs typeface="Helvetica Neue" panose="02000503000000020004" pitchFamily="2" charset="0"/>
+            </a:endParaRPr>
+          </a:p>
+        </p:txBody>
+      </p:sp>
+      <p:sp>
+        <p:nvSpPr>
+          <p:cNvPr id="11" name="TextBox 10">
+            <a:extLst>
+              <a:ext uri="{FF2B5EF4-FFF2-40B4-BE49-F238E27FC236}">
+                <a16:creationId xmlns:a16="http://schemas.microsoft.com/office/drawing/2014/main" id="{22307D62-5104-4E5C-B592-9D9C672F4F44}"/>
+              </a:ext>
+            </a:extLst>
+          </p:cNvPr>
+          <p:cNvSpPr txBox="1"/>
+          <p:nvPr/>
+        </p:nvSpPr>
+        <p:spPr>
+          <a:xfrm>
+            <a:off x="2261755" y="2294903"/>
+            <a:ext cx="4620490" cy="1969770"/>
+          </a:xfrm>
+          <a:prstGeom prst="rect">
+            <a:avLst/>
+          </a:prstGeom>
+          <a:noFill/>
+        </p:spPr>
+        <p:txBody>
+          <a:bodyPr wrap="square">
+            <a:spAutoFit/>
+          </a:bodyPr>
+          <a:lstStyle/>
+          <a:p>
+            <a:pPr algn="ctr"/>
+            <a:r>
+              <a:rPr lang="en-US" sz="1400" b="1" dirty="0">
+                <a:solidFill>
+                  <a:schemeClr val="tx1"/>
+                </a:solidFill>
+                <a:latin typeface="Courier New" panose="02070309020205020404" pitchFamily="49" charset="0"/>
+                <a:cs typeface="Courier New" panose="02070309020205020404" pitchFamily="49" charset="0"/>
               </a:rPr>
-              <a:t>I am serious (but lazy, or really like data science)</a:t>
-            </a:r>
-          </a:p>
-          <a:p>
-            <a:pPr marL="285750" indent="-285750">
-              <a:buFont typeface="Courier New" panose="02070309020205020404" pitchFamily="49" charset="0"/>
-              <a:buChar char="o"/>
-            </a:pPr>
-            <a:r>
-              <a:rPr lang="en-US" sz="1200" dirty="0">
-                <a:latin typeface="Helvetica Neue" panose="02000503000000020004" pitchFamily="2" charset="0"/>
-                <a:ea typeface="Helvetica Neue" panose="02000503000000020004" pitchFamily="2" charset="0"/>
-                <a:cs typeface="Helvetica Neue" panose="02000503000000020004" pitchFamily="2" charset="0"/>
+              <a:t>If you don’t have python installed on your pc open up the Replit online IDE if you want to code along.</a:t>
+            </a:r>
+          </a:p>
+          <a:p>
+            <a:pPr algn="ctr"/>
+            <a:endParaRPr lang="en-US" sz="1400" b="1" dirty="0">
+              <a:solidFill>
+                <a:schemeClr val="tx1"/>
+              </a:solidFill>
+              <a:latin typeface="Courier New" panose="02070309020205020404" pitchFamily="49" charset="0"/>
+              <a:cs typeface="Courier New" panose="02070309020205020404" pitchFamily="49" charset="0"/>
+            </a:endParaRPr>
+          </a:p>
+          <a:p>
+            <a:pPr algn="ctr"/>
+            <a:r>
+              <a:rPr lang="en-US" sz="1400" b="1" dirty="0">
+                <a:solidFill>
+                  <a:schemeClr val="tx1"/>
+                </a:solidFill>
+                <a:latin typeface="Courier New" panose="02070309020205020404" pitchFamily="49" charset="0"/>
+                <a:cs typeface="Courier New" panose="02070309020205020404" pitchFamily="49" charset="0"/>
+                <a:hlinkClick r:id="rId4"/>
               </a:rPr>
-              <a:t>Anaconda : </a:t>
-            </a:r>
-            <a:r>
-              <a:rPr lang="en-US" sz="1200" u="sng" dirty="0">
-                <a:solidFill>
-                  <a:srgbClr val="373E84"/>
-                </a:solidFill>
-                <a:latin typeface="Helvetica Neue" panose="02000503000000020004" pitchFamily="2" charset="0"/>
-                <a:ea typeface="Helvetica Neue" panose="02000503000000020004" pitchFamily="2" charset="0"/>
-                <a:cs typeface="Helvetica Neue" panose="02000503000000020004" pitchFamily="2" charset="0"/>
+              <a:t>https://replit.com/</a:t>
+            </a:r>
+            <a:endParaRPr lang="en-US" sz="1400" b="1" dirty="0">
+              <a:solidFill>
+                <a:schemeClr val="tx1"/>
+              </a:solidFill>
+              <a:latin typeface="Courier New" panose="02070309020205020404" pitchFamily="49" charset="0"/>
+              <a:cs typeface="Courier New" panose="02070309020205020404" pitchFamily="49" charset="0"/>
+            </a:endParaRPr>
+          </a:p>
+          <a:p>
+            <a:pPr algn="ctr"/>
+            <a:endParaRPr lang="en-US" b="1" dirty="0">
+              <a:solidFill>
+                <a:schemeClr val="tx1"/>
+              </a:solidFill>
+              <a:latin typeface="Courier New" panose="02070309020205020404" pitchFamily="49" charset="0"/>
+              <a:cs typeface="Courier New" panose="02070309020205020404" pitchFamily="49" charset="0"/>
+            </a:endParaRPr>
+          </a:p>
+          <a:p>
+            <a:pPr algn="ctr"/>
+            <a:r>
+              <a:rPr lang="en-US" sz="2400" b="1" dirty="0">
+                <a:solidFill>
+                  <a:schemeClr val="tx1"/>
+                </a:solidFill>
+                <a:latin typeface="Courier New" panose="02070309020205020404" pitchFamily="49" charset="0"/>
+                <a:cs typeface="Courier New" panose="02070309020205020404" pitchFamily="49" charset="0"/>
               </a:rPr>
-              <a:t>Anaconda</a:t>
-            </a:r>
+              <a:t>Any questions so far?</a:t>
+            </a:r>
+          </a:p>
+          <a:p>
+            <a:pPr algn="ctr"/>
+            <a:endParaRPr lang="en-US" sz="1400" b="1" dirty="0">
+              <a:solidFill>
+                <a:schemeClr val="tx1"/>
+              </a:solidFill>
+              <a:latin typeface="Courier New" panose="02070309020205020404" pitchFamily="49" charset="0"/>
+              <a:cs typeface="Courier New" panose="02070309020205020404" pitchFamily="49" charset="0"/>
+            </a:endParaRPr>
           </a:p>
         </p:txBody>
       </p:sp>
     </p:spTree>
     <p:extLst>
       <p:ext uri="{BB962C8B-B14F-4D97-AF65-F5344CB8AC3E}">
-        <p14:creationId xmlns:p14="http://schemas.microsoft.com/office/powerpoint/2010/main" val="2413648658"/>
+        <p14:creationId xmlns:p14="http://schemas.microsoft.com/office/powerpoint/2010/main" val="3575197283"/>
       </p:ext>
     </p:extLst>
   </p:cSld>
